--- a/Lectures/M3a-MoreOnModeling.pptx
+++ b/Lectures/M3a-MoreOnModeling.pptx
@@ -5,10 +5,10 @@
     <p:sldMasterId id="2147483649" r:id="rId1"/>
   </p:sldMasterIdLst>
   <p:notesMasterIdLst>
-    <p:notesMasterId r:id="rId23"/>
+    <p:notesMasterId r:id="rId24"/>
   </p:notesMasterIdLst>
   <p:handoutMasterIdLst>
-    <p:handoutMasterId r:id="rId24"/>
+    <p:handoutMasterId r:id="rId25"/>
   </p:handoutMasterIdLst>
   <p:sldIdLst>
     <p:sldId id="481" r:id="rId2"/>
@@ -31,7 +31,8 @@
     <p:sldId id="571" r:id="rId19"/>
     <p:sldId id="574" r:id="rId20"/>
     <p:sldId id="573" r:id="rId21"/>
-    <p:sldId id="575" r:id="rId22"/>
+    <p:sldId id="576" r:id="rId22"/>
+    <p:sldId id="575" r:id="rId23"/>
   </p:sldIdLst>
   <p:sldSz cx="9144000" cy="6858000" type="screen4x3"/>
   <p:notesSz cx="6858000" cy="9180513"/>
@@ -229,7 +230,7 @@
           <a:effectLst/>
           <a:extLst>
             <a:ext uri="{FAA26D3D-D897-4be2-8F04-BA451C77F1D7}">
-              <ma14:placeholderFlag xmlns:ma14="http://schemas.microsoft.com/office/mac/drawingml/2011/main" val="1"/>
+              <ma14:placeholderFlag xmlns="" xmlns:ma14="http://schemas.microsoft.com/office/mac/drawingml/2011/main" val="1"/>
             </a:ext>
             <a:ext uri="{909E8E84-426E-40dd-AFC4-6F175D3DCCD1}">
               <a14:hiddenFill xmlns="" xmlns:a14="http://schemas.microsoft.com/office/drawing/2010/main">
@@ -302,7 +303,7 @@
           <a:effectLst/>
           <a:extLst>
             <a:ext uri="{FAA26D3D-D897-4be2-8F04-BA451C77F1D7}">
-              <ma14:placeholderFlag xmlns:ma14="http://schemas.microsoft.com/office/mac/drawingml/2011/main" val="1"/>
+              <ma14:placeholderFlag xmlns="" xmlns:ma14="http://schemas.microsoft.com/office/mac/drawingml/2011/main" val="1"/>
             </a:ext>
             <a:ext uri="{909E8E84-426E-40dd-AFC4-6F175D3DCCD1}">
               <a14:hiddenFill xmlns="" xmlns:a14="http://schemas.microsoft.com/office/drawing/2010/main">
@@ -375,7 +376,7 @@
           <a:effectLst/>
           <a:extLst>
             <a:ext uri="{FAA26D3D-D897-4be2-8F04-BA451C77F1D7}">
-              <ma14:placeholderFlag xmlns:ma14="http://schemas.microsoft.com/office/mac/drawingml/2011/main" val="1"/>
+              <ma14:placeholderFlag xmlns="" xmlns:ma14="http://schemas.microsoft.com/office/mac/drawingml/2011/main" val="1"/>
             </a:ext>
             <a:ext uri="{909E8E84-426E-40dd-AFC4-6F175D3DCCD1}">
               <a14:hiddenFill xmlns="" xmlns:a14="http://schemas.microsoft.com/office/drawing/2010/main">
@@ -448,7 +449,7 @@
           <a:effectLst/>
           <a:extLst>
             <a:ext uri="{FAA26D3D-D897-4be2-8F04-BA451C77F1D7}">
-              <ma14:placeholderFlag xmlns:ma14="http://schemas.microsoft.com/office/mac/drawingml/2011/main" val="1"/>
+              <ma14:placeholderFlag xmlns="" xmlns:ma14="http://schemas.microsoft.com/office/mac/drawingml/2011/main" val="1"/>
             </a:ext>
             <a:ext uri="{909E8E84-426E-40dd-AFC4-6F175D3DCCD1}">
               <a14:hiddenFill xmlns="" xmlns:a14="http://schemas.microsoft.com/office/drawing/2010/main">
@@ -562,7 +563,7 @@
           <a:effectLst/>
           <a:extLst>
             <a:ext uri="{FAA26D3D-D897-4be2-8F04-BA451C77F1D7}">
-              <ma14:placeholderFlag xmlns:ma14="http://schemas.microsoft.com/office/mac/drawingml/2011/main" val="1"/>
+              <ma14:placeholderFlag xmlns="" xmlns:ma14="http://schemas.microsoft.com/office/mac/drawingml/2011/main" val="1"/>
             </a:ext>
             <a:ext uri="{909E8E84-426E-40dd-AFC4-6F175D3DCCD1}">
               <a14:hiddenFill xmlns="" xmlns:a14="http://schemas.microsoft.com/office/drawing/2010/main">
@@ -635,7 +636,7 @@
           <a:effectLst/>
           <a:extLst>
             <a:ext uri="{FAA26D3D-D897-4be2-8F04-BA451C77F1D7}">
-              <ma14:placeholderFlag xmlns:ma14="http://schemas.microsoft.com/office/mac/drawingml/2011/main" val="1"/>
+              <ma14:placeholderFlag xmlns="" xmlns:ma14="http://schemas.microsoft.com/office/mac/drawingml/2011/main" val="1"/>
             </a:ext>
             <a:ext uri="{909E8E84-426E-40dd-AFC4-6F175D3DCCD1}">
               <a14:hiddenFill xmlns="" xmlns:a14="http://schemas.microsoft.com/office/drawing/2010/main">
@@ -754,7 +755,7 @@
           <a:effectLst/>
           <a:extLst>
             <a:ext uri="{FAA26D3D-D897-4be2-8F04-BA451C77F1D7}">
-              <ma14:placeholderFlag xmlns:ma14="http://schemas.microsoft.com/office/mac/drawingml/2011/main" val="1"/>
+              <ma14:placeholderFlag xmlns="" xmlns:ma14="http://schemas.microsoft.com/office/mac/drawingml/2011/main" val="1"/>
             </a:ext>
             <a:ext uri="{909E8E84-426E-40dd-AFC4-6F175D3DCCD1}">
               <a14:hiddenFill xmlns="" xmlns:a14="http://schemas.microsoft.com/office/drawing/2010/main">
@@ -855,7 +856,7 @@
           <a:effectLst/>
           <a:extLst>
             <a:ext uri="{FAA26D3D-D897-4be2-8F04-BA451C77F1D7}">
-              <ma14:placeholderFlag xmlns:ma14="http://schemas.microsoft.com/office/mac/drawingml/2011/main" val="1"/>
+              <ma14:placeholderFlag xmlns="" xmlns:ma14="http://schemas.microsoft.com/office/mac/drawingml/2011/main" val="1"/>
             </a:ext>
             <a:ext uri="{909E8E84-426E-40dd-AFC4-6F175D3DCCD1}">
               <a14:hiddenFill xmlns="" xmlns:a14="http://schemas.microsoft.com/office/drawing/2010/main">
@@ -928,7 +929,7 @@
           <a:effectLst/>
           <a:extLst>
             <a:ext uri="{FAA26D3D-D897-4be2-8F04-BA451C77F1D7}">
-              <ma14:placeholderFlag xmlns:ma14="http://schemas.microsoft.com/office/mac/drawingml/2011/main" val="1"/>
+              <ma14:placeholderFlag xmlns="" xmlns:ma14="http://schemas.microsoft.com/office/mac/drawingml/2011/main" val="1"/>
             </a:ext>
             <a:ext uri="{909E8E84-426E-40dd-AFC4-6F175D3DCCD1}">
               <a14:hiddenFill xmlns="" xmlns:a14="http://schemas.microsoft.com/office/drawing/2010/main">
@@ -1171,7 +1172,7 @@
           <a:ln/>
           <a:extLst>
             <a:ext uri="{FAA26D3D-D897-4be2-8F04-BA451C77F1D7}">
-              <ma14:placeholderFlag xmlns:ma14="http://schemas.microsoft.com/office/mac/drawingml/2011/main" val="1"/>
+              <ma14:placeholderFlag xmlns="" xmlns:ma14="http://schemas.microsoft.com/office/mac/drawingml/2011/main" val="1"/>
             </a:ext>
           </a:extLst>
         </p:spPr>
@@ -4998,7 +4999,7 @@
           <a:p>
             <a:pPr lvl="0"/>
             <a:r>
-              <a:rPr lang="en-US" noProof="0" smtClean="0"/>
+              <a:rPr lang="en-US" noProof="0"/>
               <a:t>Click to edit Master title style</a:t>
             </a:r>
           </a:p>
@@ -5032,7 +5033,7 @@
           <a:p>
             <a:pPr lvl="0"/>
             <a:r>
-              <a:rPr lang="en-US" noProof="0" smtClean="0"/>
+              <a:rPr lang="en-US" noProof="0"/>
               <a:t>Click to edit Master subtitle style</a:t>
             </a:r>
           </a:p>
@@ -5059,7 +5060,7 @@
           <a:noFill/>
           <a:extLst>
             <a:ext uri="{FAA26D3D-D897-4be2-8F04-BA451C77F1D7}">
-              <ma14:placeholderFlag xmlns:ma14="http://schemas.microsoft.com/office/mac/drawingml/2011/main" val="1"/>
+              <ma14:placeholderFlag xmlns="" xmlns:ma14="http://schemas.microsoft.com/office/mac/drawingml/2011/main" val="1"/>
             </a:ext>
             <a:ext uri="{909E8E84-426E-40dd-AFC4-6F175D3DCCD1}">
               <a14:hiddenFill xmlns="" xmlns:a14="http://schemas.microsoft.com/office/drawing/2010/main">
@@ -5251,10 +5252,9 @@
           <a:lstStyle/>
           <a:p>
             <a:r>
-              <a:rPr lang="en-US" smtClean="0"/>
+              <a:rPr lang="en-US"/>
               <a:t>Click to edit Master title style</a:t>
             </a:r>
-            <a:endParaRPr lang="en-US"/>
           </a:p>
         </p:txBody>
       </p:sp>
@@ -5275,38 +5275,37 @@
           <a:p>
             <a:pPr lvl="0"/>
             <a:r>
-              <a:rPr lang="en-US" smtClean="0"/>
+              <a:rPr lang="en-US"/>
               <a:t>Click to edit Master text styles</a:t>
             </a:r>
           </a:p>
           <a:p>
             <a:pPr lvl="1"/>
             <a:r>
-              <a:rPr lang="en-US" smtClean="0"/>
+              <a:rPr lang="en-US"/>
               <a:t>Second level</a:t>
             </a:r>
           </a:p>
           <a:p>
             <a:pPr lvl="2"/>
             <a:r>
-              <a:rPr lang="en-US" smtClean="0"/>
+              <a:rPr lang="en-US"/>
               <a:t>Third level</a:t>
             </a:r>
           </a:p>
           <a:p>
             <a:pPr lvl="3"/>
             <a:r>
-              <a:rPr lang="en-US" smtClean="0"/>
+              <a:rPr lang="en-US"/>
               <a:t>Fourth level</a:t>
             </a:r>
           </a:p>
           <a:p>
             <a:pPr lvl="4"/>
             <a:r>
-              <a:rPr lang="en-US" smtClean="0"/>
+              <a:rPr lang="en-US"/>
               <a:t>Fifth level</a:t>
             </a:r>
-            <a:endParaRPr lang="en-US"/>
           </a:p>
         </p:txBody>
       </p:sp>
@@ -5413,10 +5412,9 @@
           <a:lstStyle/>
           <a:p>
             <a:r>
-              <a:rPr lang="en-US" smtClean="0"/>
+              <a:rPr lang="en-US"/>
               <a:t>Click to edit Master title style</a:t>
             </a:r>
-            <a:endParaRPr lang="en-US"/>
           </a:p>
         </p:txBody>
       </p:sp>
@@ -5442,38 +5440,37 @@
           <a:p>
             <a:pPr lvl="0"/>
             <a:r>
-              <a:rPr lang="en-US" smtClean="0"/>
+              <a:rPr lang="en-US"/>
               <a:t>Click to edit Master text styles</a:t>
             </a:r>
           </a:p>
           <a:p>
             <a:pPr lvl="1"/>
             <a:r>
-              <a:rPr lang="en-US" smtClean="0"/>
+              <a:rPr lang="en-US"/>
               <a:t>Second level</a:t>
             </a:r>
           </a:p>
           <a:p>
             <a:pPr lvl="2"/>
             <a:r>
-              <a:rPr lang="en-US" smtClean="0"/>
+              <a:rPr lang="en-US"/>
               <a:t>Third level</a:t>
             </a:r>
           </a:p>
           <a:p>
             <a:pPr lvl="3"/>
             <a:r>
-              <a:rPr lang="en-US" smtClean="0"/>
+              <a:rPr lang="en-US"/>
               <a:t>Fourth level</a:t>
             </a:r>
           </a:p>
           <a:p>
             <a:pPr lvl="4"/>
             <a:r>
-              <a:rPr lang="en-US" smtClean="0"/>
+              <a:rPr lang="en-US"/>
               <a:t>Fifth level</a:t>
             </a:r>
-            <a:endParaRPr lang="en-US"/>
           </a:p>
         </p:txBody>
       </p:sp>
@@ -5575,10 +5572,9 @@
           <a:lstStyle/>
           <a:p>
             <a:r>
-              <a:rPr lang="en-US" smtClean="0"/>
+              <a:rPr lang="en-US"/>
               <a:t>Click to edit Master title style</a:t>
             </a:r>
-            <a:endParaRPr lang="en-US"/>
           </a:p>
         </p:txBody>
       </p:sp>
@@ -5599,38 +5595,37 @@
           <a:p>
             <a:pPr lvl="0"/>
             <a:r>
-              <a:rPr lang="en-US" smtClean="0"/>
+              <a:rPr lang="en-US"/>
               <a:t>Click to edit Master text styles</a:t>
             </a:r>
           </a:p>
           <a:p>
             <a:pPr lvl="1"/>
             <a:r>
-              <a:rPr lang="en-US" smtClean="0"/>
+              <a:rPr lang="en-US"/>
               <a:t>Second level</a:t>
             </a:r>
           </a:p>
           <a:p>
             <a:pPr lvl="2"/>
             <a:r>
-              <a:rPr lang="en-US" smtClean="0"/>
+              <a:rPr lang="en-US"/>
               <a:t>Third level</a:t>
             </a:r>
           </a:p>
           <a:p>
             <a:pPr lvl="3"/>
             <a:r>
-              <a:rPr lang="en-US" smtClean="0"/>
+              <a:rPr lang="en-US"/>
               <a:t>Fourth level</a:t>
             </a:r>
           </a:p>
           <a:p>
             <a:pPr lvl="4"/>
             <a:r>
-              <a:rPr lang="en-US" smtClean="0"/>
+              <a:rPr lang="en-US"/>
               <a:t>Fifth level</a:t>
             </a:r>
-            <a:endParaRPr lang="en-US"/>
           </a:p>
         </p:txBody>
       </p:sp>
@@ -5741,10 +5736,9 @@
           </a:lstStyle>
           <a:p>
             <a:r>
-              <a:rPr lang="en-US" smtClean="0"/>
+              <a:rPr lang="en-US"/>
               <a:t>Click to edit Master title style</a:t>
             </a:r>
-            <a:endParaRPr lang="en-US"/>
           </a:p>
         </p:txBody>
       </p:sp>
@@ -5807,7 +5801,7 @@
           <a:p>
             <a:pPr lvl="0"/>
             <a:r>
-              <a:rPr lang="en-US" smtClean="0"/>
+              <a:rPr lang="en-US"/>
               <a:t>Click to edit Master text styles</a:t>
             </a:r>
           </a:p>
@@ -5911,10 +5905,9 @@
           <a:lstStyle/>
           <a:p>
             <a:r>
-              <a:rPr lang="en-US" smtClean="0"/>
+              <a:rPr lang="en-US"/>
               <a:t>Click to edit Master title style</a:t>
             </a:r>
-            <a:endParaRPr lang="en-US"/>
           </a:p>
         </p:txBody>
       </p:sp>
@@ -5968,38 +5961,37 @@
           <a:p>
             <a:pPr lvl="0"/>
             <a:r>
-              <a:rPr lang="en-US" smtClean="0"/>
+              <a:rPr lang="en-US"/>
               <a:t>Click to edit Master text styles</a:t>
             </a:r>
           </a:p>
           <a:p>
             <a:pPr lvl="1"/>
             <a:r>
-              <a:rPr lang="en-US" smtClean="0"/>
+              <a:rPr lang="en-US"/>
               <a:t>Second level</a:t>
             </a:r>
           </a:p>
           <a:p>
             <a:pPr lvl="2"/>
             <a:r>
-              <a:rPr lang="en-US" smtClean="0"/>
+              <a:rPr lang="en-US"/>
               <a:t>Third level</a:t>
             </a:r>
           </a:p>
           <a:p>
             <a:pPr lvl="3"/>
             <a:r>
-              <a:rPr lang="en-US" smtClean="0"/>
+              <a:rPr lang="en-US"/>
               <a:t>Fourth level</a:t>
             </a:r>
           </a:p>
           <a:p>
             <a:pPr lvl="4"/>
             <a:r>
-              <a:rPr lang="en-US" smtClean="0"/>
+              <a:rPr lang="en-US"/>
               <a:t>Fifth level</a:t>
             </a:r>
-            <a:endParaRPr lang="en-US"/>
           </a:p>
         </p:txBody>
       </p:sp>
@@ -6053,38 +6045,37 @@
           <a:p>
             <a:pPr lvl="0"/>
             <a:r>
-              <a:rPr lang="en-US" smtClean="0"/>
+              <a:rPr lang="en-US"/>
               <a:t>Click to edit Master text styles</a:t>
             </a:r>
           </a:p>
           <a:p>
             <a:pPr lvl="1"/>
             <a:r>
-              <a:rPr lang="en-US" smtClean="0"/>
+              <a:rPr lang="en-US"/>
               <a:t>Second level</a:t>
             </a:r>
           </a:p>
           <a:p>
             <a:pPr lvl="2"/>
             <a:r>
-              <a:rPr lang="en-US" smtClean="0"/>
+              <a:rPr lang="en-US"/>
               <a:t>Third level</a:t>
             </a:r>
           </a:p>
           <a:p>
             <a:pPr lvl="3"/>
             <a:r>
-              <a:rPr lang="en-US" smtClean="0"/>
+              <a:rPr lang="en-US"/>
               <a:t>Fourth level</a:t>
             </a:r>
           </a:p>
           <a:p>
             <a:pPr lvl="4"/>
             <a:r>
-              <a:rPr lang="en-US" smtClean="0"/>
+              <a:rPr lang="en-US"/>
               <a:t>Fifth level</a:t>
             </a:r>
-            <a:endParaRPr lang="en-US"/>
           </a:p>
         </p:txBody>
       </p:sp>
@@ -6195,10 +6186,9 @@
           </a:lstStyle>
           <a:p>
             <a:r>
-              <a:rPr lang="en-US" smtClean="0"/>
+              <a:rPr lang="en-US"/>
               <a:t>Click to edit Master title style</a:t>
             </a:r>
-            <a:endParaRPr lang="en-US"/>
           </a:p>
         </p:txBody>
       </p:sp>
@@ -6261,7 +6251,7 @@
           <a:p>
             <a:pPr lvl="0"/>
             <a:r>
-              <a:rPr lang="en-US" smtClean="0"/>
+              <a:rPr lang="en-US"/>
               <a:t>Click to edit Master text styles</a:t>
             </a:r>
           </a:p>
@@ -6317,38 +6307,37 @@
           <a:p>
             <a:pPr lvl="0"/>
             <a:r>
-              <a:rPr lang="en-US" smtClean="0"/>
+              <a:rPr lang="en-US"/>
               <a:t>Click to edit Master text styles</a:t>
             </a:r>
           </a:p>
           <a:p>
             <a:pPr lvl="1"/>
             <a:r>
-              <a:rPr lang="en-US" smtClean="0"/>
+              <a:rPr lang="en-US"/>
               <a:t>Second level</a:t>
             </a:r>
           </a:p>
           <a:p>
             <a:pPr lvl="2"/>
             <a:r>
-              <a:rPr lang="en-US" smtClean="0"/>
+              <a:rPr lang="en-US"/>
               <a:t>Third level</a:t>
             </a:r>
           </a:p>
           <a:p>
             <a:pPr lvl="3"/>
             <a:r>
-              <a:rPr lang="en-US" smtClean="0"/>
+              <a:rPr lang="en-US"/>
               <a:t>Fourth level</a:t>
             </a:r>
           </a:p>
           <a:p>
             <a:pPr lvl="4"/>
             <a:r>
-              <a:rPr lang="en-US" smtClean="0"/>
+              <a:rPr lang="en-US"/>
               <a:t>Fifth level</a:t>
             </a:r>
-            <a:endParaRPr lang="en-US"/>
           </a:p>
         </p:txBody>
       </p:sp>
@@ -6411,7 +6400,7 @@
           <a:p>
             <a:pPr lvl="0"/>
             <a:r>
-              <a:rPr lang="en-US" smtClean="0"/>
+              <a:rPr lang="en-US"/>
               <a:t>Click to edit Master text styles</a:t>
             </a:r>
           </a:p>
@@ -6467,38 +6456,37 @@
           <a:p>
             <a:pPr lvl="0"/>
             <a:r>
-              <a:rPr lang="en-US" smtClean="0"/>
+              <a:rPr lang="en-US"/>
               <a:t>Click to edit Master text styles</a:t>
             </a:r>
           </a:p>
           <a:p>
             <a:pPr lvl="1"/>
             <a:r>
-              <a:rPr lang="en-US" smtClean="0"/>
+              <a:rPr lang="en-US"/>
               <a:t>Second level</a:t>
             </a:r>
           </a:p>
           <a:p>
             <a:pPr lvl="2"/>
             <a:r>
-              <a:rPr lang="en-US" smtClean="0"/>
+              <a:rPr lang="en-US"/>
               <a:t>Third level</a:t>
             </a:r>
           </a:p>
           <a:p>
             <a:pPr lvl="3"/>
             <a:r>
-              <a:rPr lang="en-US" smtClean="0"/>
+              <a:rPr lang="en-US"/>
               <a:t>Fourth level</a:t>
             </a:r>
           </a:p>
           <a:p>
             <a:pPr lvl="4"/>
             <a:r>
-              <a:rPr lang="en-US" smtClean="0"/>
+              <a:rPr lang="en-US"/>
               <a:t>Fifth level</a:t>
             </a:r>
-            <a:endParaRPr lang="en-US"/>
           </a:p>
         </p:txBody>
       </p:sp>
@@ -6600,10 +6588,9 @@
           <a:lstStyle/>
           <a:p>
             <a:r>
-              <a:rPr lang="en-US" smtClean="0"/>
+              <a:rPr lang="en-US"/>
               <a:t>Click to edit Master title style</a:t>
             </a:r>
-            <a:endParaRPr lang="en-US"/>
           </a:p>
         </p:txBody>
       </p:sp>
@@ -6796,10 +6783,9 @@
           </a:lstStyle>
           <a:p>
             <a:r>
-              <a:rPr lang="en-US" smtClean="0"/>
+              <a:rPr lang="en-US"/>
               <a:t>Click to edit Master title style</a:t>
             </a:r>
-            <a:endParaRPr lang="en-US"/>
           </a:p>
         </p:txBody>
       </p:sp>
@@ -6853,38 +6839,37 @@
           <a:p>
             <a:pPr lvl="0"/>
             <a:r>
-              <a:rPr lang="en-US" smtClean="0"/>
+              <a:rPr lang="en-US"/>
               <a:t>Click to edit Master text styles</a:t>
             </a:r>
           </a:p>
           <a:p>
             <a:pPr lvl="1"/>
             <a:r>
-              <a:rPr lang="en-US" smtClean="0"/>
+              <a:rPr lang="en-US"/>
               <a:t>Second level</a:t>
             </a:r>
           </a:p>
           <a:p>
             <a:pPr lvl="2"/>
             <a:r>
-              <a:rPr lang="en-US" smtClean="0"/>
+              <a:rPr lang="en-US"/>
               <a:t>Third level</a:t>
             </a:r>
           </a:p>
           <a:p>
             <a:pPr lvl="3"/>
             <a:r>
-              <a:rPr lang="en-US" smtClean="0"/>
+              <a:rPr lang="en-US"/>
               <a:t>Fourth level</a:t>
             </a:r>
           </a:p>
           <a:p>
             <a:pPr lvl="4"/>
             <a:r>
-              <a:rPr lang="en-US" smtClean="0"/>
+              <a:rPr lang="en-US"/>
               <a:t>Fifth level</a:t>
             </a:r>
-            <a:endParaRPr lang="en-US"/>
           </a:p>
         </p:txBody>
       </p:sp>
@@ -6947,7 +6932,7 @@
           <a:p>
             <a:pPr lvl="0"/>
             <a:r>
-              <a:rPr lang="en-US" smtClean="0"/>
+              <a:rPr lang="en-US"/>
               <a:t>Click to edit Master text styles</a:t>
             </a:r>
           </a:p>
@@ -7060,10 +7045,9 @@
           </a:lstStyle>
           <a:p>
             <a:r>
-              <a:rPr lang="en-US" smtClean="0"/>
+              <a:rPr lang="en-US"/>
               <a:t>Click to edit Master title style</a:t>
             </a:r>
-            <a:endParaRPr lang="en-US"/>
           </a:p>
         </p:txBody>
       </p:sp>
@@ -7187,7 +7171,7 @@
           <a:p>
             <a:pPr lvl="0"/>
             <a:r>
-              <a:rPr lang="en-US" smtClean="0"/>
+              <a:rPr lang="en-US"/>
               <a:t>Click to edit Master text styles</a:t>
             </a:r>
           </a:p>
@@ -10705,7 +10689,7 @@
           <a:effectLst/>
           <a:extLst>
             <a:ext uri="{FAA26D3D-D897-4be2-8F04-BA451C77F1D7}">
-              <ma14:placeholderFlag xmlns:ma14="http://schemas.microsoft.com/office/mac/drawingml/2011/main" val="1"/>
+              <ma14:placeholderFlag xmlns="" xmlns:ma14="http://schemas.microsoft.com/office/mac/drawingml/2011/main" val="1"/>
             </a:ext>
             <a:ext uri="{909E8E84-426E-40dd-AFC4-6F175D3DCCD1}">
               <a14:hiddenFill xmlns="" xmlns:a14="http://schemas.microsoft.com/office/drawing/2010/main">
@@ -10778,7 +10762,7 @@
           <a:effectLst/>
           <a:extLst>
             <a:ext uri="{FAA26D3D-D897-4be2-8F04-BA451C77F1D7}">
-              <ma14:placeholderFlag xmlns:ma14="http://schemas.microsoft.com/office/mac/drawingml/2011/main" val="1"/>
+              <ma14:placeholderFlag xmlns="" xmlns:ma14="http://schemas.microsoft.com/office/mac/drawingml/2011/main" val="1"/>
             </a:ext>
             <a:ext uri="{909E8E84-426E-40dd-AFC4-6F175D3DCCD1}">
               <a14:hiddenFill xmlns="" xmlns:a14="http://schemas.microsoft.com/office/drawing/2010/main">
@@ -10879,7 +10863,7 @@
           <a:effectLst/>
           <a:extLst>
             <a:ext uri="{FAA26D3D-D897-4be2-8F04-BA451C77F1D7}">
-              <ma14:placeholderFlag xmlns:ma14="http://schemas.microsoft.com/office/mac/drawingml/2011/main" val="1"/>
+              <ma14:placeholderFlag xmlns="" xmlns:ma14="http://schemas.microsoft.com/office/mac/drawingml/2011/main" val="1"/>
             </a:ext>
             <a:ext uri="{909E8E84-426E-40dd-AFC4-6F175D3DCCD1}">
               <a14:hiddenFill xmlns="" xmlns:a14="http://schemas.microsoft.com/office/drawing/2010/main">
@@ -10952,7 +10936,7 @@
           <a:effectLst/>
           <a:extLst>
             <a:ext uri="{FAA26D3D-D897-4be2-8F04-BA451C77F1D7}">
-              <ma14:placeholderFlag xmlns:ma14="http://schemas.microsoft.com/office/mac/drawingml/2011/main" val="1"/>
+              <ma14:placeholderFlag xmlns="" xmlns:ma14="http://schemas.microsoft.com/office/mac/drawingml/2011/main" val="1"/>
             </a:ext>
             <a:ext uri="{909E8E84-426E-40dd-AFC4-6F175D3DCCD1}">
               <a14:hiddenFill xmlns="" xmlns:a14="http://schemas.microsoft.com/office/drawing/2010/main">
@@ -11552,7 +11536,7 @@
               </a:lnSpc>
             </a:pPr>
             <a:r>
-              <a:rPr lang="en-US" sz="2400" i="1" dirty="0" smtClean="0">
+              <a:rPr lang="en-US" sz="2400" i="1" dirty="0">
                 <a:latin typeface="Verdana" charset="0"/>
               </a:rPr>
               <a:t>More on Modeling</a:t>
@@ -11577,13 +11561,6 @@
     <a:masterClrMapping/>
   </p:clrMapOvr>
   <p:transition/>
-  <p:timing>
-    <p:tnLst>
-      <p:par>
-        <p:cTn id="1" dur="indefinite" restart="never" nodeType="tmRoot"/>
-      </p:par>
-    </p:tnLst>
-  </p:timing>
 </p:sld>
 </file>
 
@@ -11644,10 +11621,9 @@
           <a:lstStyle/>
           <a:p>
             <a:r>
-              <a:rPr lang="en-US" dirty="0" smtClean="0"/>
+              <a:rPr lang="en-US" dirty="0"/>
               <a:t>Example – What is impacted?</a:t>
             </a:r>
-            <a:endParaRPr lang="en-US" dirty="0"/>
           </a:p>
         </p:txBody>
       </p:sp>
@@ -11726,13 +11702,6 @@
     <a:masterClrMapping/>
   </p:clrMapOvr>
   <p:transition/>
-  <p:timing>
-    <p:tnLst>
-      <p:par>
-        <p:cTn id="1" dur="indefinite" restart="never" nodeType="tmRoot"/>
-      </p:par>
-    </p:tnLst>
-  </p:timing>
 </p:sld>
 </file>
 
@@ -11793,10 +11762,9 @@
           <a:lstStyle/>
           <a:p>
             <a:r>
-              <a:rPr lang="en-US" dirty="0" smtClean="0"/>
+              <a:rPr lang="en-US" dirty="0"/>
               <a:t>Example - Who needs to weigh in?</a:t>
             </a:r>
-            <a:endParaRPr lang="en-US" dirty="0"/>
           </a:p>
         </p:txBody>
       </p:sp>
@@ -11875,13 +11843,6 @@
     <a:masterClrMapping/>
   </p:clrMapOvr>
   <p:transition/>
-  <p:timing>
-    <p:tnLst>
-      <p:par>
-        <p:cTn id="1" dur="indefinite" restart="never" nodeType="tmRoot"/>
-      </p:par>
-    </p:tnLst>
-  </p:timing>
 </p:sld>
 </file>
 
@@ -11942,10 +11903,9 @@
           <a:lstStyle/>
           <a:p>
             <a:r>
-              <a:rPr lang="en-US" dirty="0" smtClean="0"/>
+              <a:rPr lang="en-US" dirty="0"/>
               <a:t>Example – How does it work?</a:t>
             </a:r>
-            <a:endParaRPr lang="en-US" dirty="0"/>
           </a:p>
         </p:txBody>
       </p:sp>
@@ -12020,13 +11980,6 @@
     <a:masterClrMapping/>
   </p:clrMapOvr>
   <p:transition/>
-  <p:timing>
-    <p:tnLst>
-      <p:par>
-        <p:cTn id="1" dur="indefinite" restart="never" nodeType="tmRoot"/>
-      </p:par>
-    </p:tnLst>
-  </p:timing>
 </p:sld>
 </file>
 
@@ -12087,10 +12040,9 @@
           <a:lstStyle/>
           <a:p>
             <a:r>
-              <a:rPr lang="en-US" dirty="0" smtClean="0"/>
+              <a:rPr lang="en-US" dirty="0"/>
               <a:t>Example – How do we explain what we want to change?</a:t>
             </a:r>
-            <a:endParaRPr lang="en-US" dirty="0"/>
           </a:p>
         </p:txBody>
       </p:sp>
@@ -12135,13 +12087,6 @@
     <a:masterClrMapping/>
   </p:clrMapOvr>
   <p:transition/>
-  <p:timing>
-    <p:tnLst>
-      <p:par>
-        <p:cTn id="1" dur="indefinite" restart="never" nodeType="tmRoot"/>
-      </p:par>
-    </p:tnLst>
-  </p:timing>
 </p:sld>
 </file>
 
@@ -12207,25 +12152,16 @@
           <a:lstStyle/>
           <a:p>
             <a:r>
-              <a:rPr lang="en-US" dirty="0" smtClean="0"/>
+              <a:rPr lang="en-US" dirty="0"/>
               <a:t>Example – Is this a feasible idea? – </a:t>
             </a:r>
             <a:br>
-              <a:rPr lang="en-US" dirty="0" smtClean="0"/>
+              <a:rPr lang="en-US" dirty="0"/>
             </a:br>
             <a:r>
-              <a:rPr lang="en-US" sz="1800" dirty="0" smtClean="0"/>
-              <a:t>(</a:t>
-            </a:r>
-            <a:r>
               <a:rPr lang="en-US" sz="1800" dirty="0"/>
-              <a:t>Inspiration during a camping </a:t>
-            </a:r>
-            <a:r>
-              <a:rPr lang="en-US" sz="1800" dirty="0" smtClean="0"/>
-              <a:t>trip….  sorry, blurred on purpose)</a:t>
-            </a:r>
-            <a:endParaRPr lang="en-US" sz="1800" dirty="0"/>
+              <a:t>(Inspiration during a camping trip….  sorry, blurred on purpose)</a:t>
+            </a:r>
           </a:p>
         </p:txBody>
       </p:sp>
@@ -12285,13 +12221,6 @@
     <a:masterClrMapping/>
   </p:clrMapOvr>
   <p:transition/>
-  <p:timing>
-    <p:tnLst>
-      <p:par>
-        <p:cTn id="1" dur="indefinite" restart="never" nodeType="tmRoot"/>
-      </p:par>
-    </p:tnLst>
-  </p:timing>
 </p:sld>
 </file>
 
@@ -12352,18 +12281,17 @@
           <a:lstStyle/>
           <a:p>
             <a:r>
-              <a:rPr lang="en-US" dirty="0" smtClean="0"/>
+              <a:rPr lang="en-US" dirty="0"/>
               <a:t>Don</a:t>
             </a:r>
             <a:r>
-              <a:rPr lang="fr-FR" dirty="0" smtClean="0"/>
+              <a:rPr lang="fr-FR" dirty="0"/>
               <a:t>’</a:t>
             </a:r>
             <a:r>
-              <a:rPr lang="en-US" dirty="0" smtClean="0"/>
+              <a:rPr lang="en-US" dirty="0"/>
               <a:t>t worry about the notation to get started</a:t>
             </a:r>
-            <a:endParaRPr lang="en-US" dirty="0"/>
           </a:p>
         </p:txBody>
       </p:sp>
@@ -12388,14 +12316,14 @@
           <a:lstStyle/>
           <a:p>
             <a:r>
-              <a:rPr lang="en-US" sz="2800" dirty="0" smtClean="0"/>
+              <a:rPr lang="en-US" sz="2800" dirty="0"/>
               <a:t>Architecture and design models can be expressed using</a:t>
             </a:r>
           </a:p>
           <a:p>
             <a:pPr lvl="1"/>
             <a:r>
-              <a:rPr lang="en-US" sz="2200" dirty="0" smtClean="0">
+              <a:rPr lang="en-US" sz="2200" dirty="0">
                 <a:solidFill>
                   <a:srgbClr val="000090"/>
                 </a:solidFill>
@@ -12406,7 +12334,7 @@
           <a:p>
             <a:pPr lvl="1"/>
             <a:r>
-              <a:rPr lang="en-US" sz="2200" dirty="0" smtClean="0">
+              <a:rPr lang="en-US" sz="2200" dirty="0">
                 <a:solidFill>
                   <a:srgbClr val="000090"/>
                 </a:solidFill>
@@ -12414,7 +12342,7 @@
               <a:t>UML or a variant of UML (</a:t>
             </a:r>
             <a:r>
-              <a:rPr lang="en-US" sz="2200" dirty="0" err="1" smtClean="0">
+              <a:rPr lang="en-US" sz="2200" dirty="0" err="1">
                 <a:solidFill>
                   <a:srgbClr val="000090"/>
                 </a:solidFill>
@@ -12422,7 +12350,7 @@
               <a:t>Archimate</a:t>
             </a:r>
             <a:r>
-              <a:rPr lang="en-US" sz="2200" dirty="0" smtClean="0">
+              <a:rPr lang="en-US" sz="2200" dirty="0">
                 <a:solidFill>
                   <a:srgbClr val="000090"/>
                 </a:solidFill>
@@ -12430,7 +12358,7 @@
               <a:t>, </a:t>
             </a:r>
             <a:r>
-              <a:rPr lang="en-US" sz="2200" dirty="0" err="1" smtClean="0">
+              <a:rPr lang="en-US" sz="2200" dirty="0" err="1">
                 <a:solidFill>
                   <a:srgbClr val="000090"/>
                 </a:solidFill>
@@ -12438,7 +12366,7 @@
               <a:t>SysML</a:t>
             </a:r>
             <a:r>
-              <a:rPr lang="en-US" sz="2200" dirty="0" smtClean="0">
+              <a:rPr lang="en-US" sz="2200" dirty="0">
                 <a:solidFill>
                   <a:srgbClr val="000090"/>
                 </a:solidFill>
@@ -12446,7 +12374,7 @@
               <a:t>, </a:t>
             </a:r>
             <a:r>
-              <a:rPr lang="en-US" sz="2200" dirty="0" err="1" smtClean="0">
+              <a:rPr lang="en-US" sz="2200" dirty="0" err="1">
                 <a:solidFill>
                   <a:srgbClr val="000090"/>
                 </a:solidFill>
@@ -12454,7 +12382,7 @@
               <a:t>SoaML</a:t>
             </a:r>
             <a:r>
-              <a:rPr lang="en-US" sz="2200" dirty="0" smtClean="0">
+              <a:rPr lang="en-US" sz="2200" dirty="0">
                 <a:solidFill>
                   <a:srgbClr val="000090"/>
                 </a:solidFill>
@@ -12462,7 +12390,7 @@
               <a:t>, </a:t>
             </a:r>
             <a:r>
-              <a:rPr lang="en-US" sz="2200" dirty="0" err="1" smtClean="0">
+              <a:rPr lang="en-US" sz="2200" dirty="0" err="1">
                 <a:solidFill>
                   <a:srgbClr val="000090"/>
                 </a:solidFill>
@@ -12470,7 +12398,7 @@
               <a:t>etc</a:t>
             </a:r>
             <a:r>
-              <a:rPr lang="en-US" sz="2200" dirty="0" smtClean="0">
+              <a:rPr lang="en-US" sz="2200" dirty="0">
                 <a:solidFill>
                   <a:srgbClr val="000090"/>
                 </a:solidFill>
@@ -12481,13 +12409,37 @@
           <a:p>
             <a:pPr lvl="1"/>
             <a:r>
-              <a:rPr lang="en-US" sz="2200" dirty="0" smtClean="0">
+              <a:rPr lang="en-US" sz="2200" dirty="0">
                 <a:solidFill>
                   <a:srgbClr val="000090"/>
                 </a:solidFill>
               </a:rPr>
               <a:t>Simple lines and boxes</a:t>
             </a:r>
+          </a:p>
+          <a:p>
+            <a:pPr lvl="1"/>
+            <a:r>
+              <a:rPr lang="en-US" sz="2200" dirty="0">
+                <a:solidFill>
+                  <a:srgbClr val="000090"/>
+                </a:solidFill>
+              </a:rPr>
+              <a:t>Semiformal </a:t>
+            </a:r>
+            <a:r>
+              <a:rPr lang="en-US" sz="2200">
+                <a:solidFill>
+                  <a:srgbClr val="000090"/>
+                </a:solidFill>
+              </a:rPr>
+              <a:t>models like C4</a:t>
+            </a:r>
+            <a:endParaRPr lang="en-US" sz="2200" dirty="0">
+              <a:solidFill>
+                <a:srgbClr val="000090"/>
+              </a:solidFill>
+            </a:endParaRPr>
           </a:p>
         </p:txBody>
       </p:sp>
@@ -12502,13 +12454,6 @@
     <a:masterClrMapping/>
   </p:clrMapOvr>
   <p:transition/>
-  <p:timing>
-    <p:tnLst>
-      <p:par>
-        <p:cTn id="1" dur="indefinite" restart="never" nodeType="tmRoot"/>
-      </p:par>
-    </p:tnLst>
-  </p:timing>
 </p:sld>
 </file>
 
@@ -12569,10 +12514,9 @@
           <a:lstStyle/>
           <a:p>
             <a:r>
-              <a:rPr lang="en-US" dirty="0" smtClean="0"/>
+              <a:rPr lang="en-US" dirty="0"/>
               <a:t>A Conceptual Process to Get Started</a:t>
             </a:r>
-            <a:endParaRPr lang="en-US" dirty="0"/>
           </a:p>
         </p:txBody>
       </p:sp>
@@ -12642,7 +12586,7 @@
               <a:tabLst/>
             </a:pPr>
             <a:r>
-              <a:rPr kumimoji="0" lang="en-US" sz="2400" b="0" i="0" u="none" strike="noStrike" cap="none" normalizeH="0" baseline="0" smtClean="0">
+              <a:rPr kumimoji="0" lang="en-US" sz="2400" b="0" i="0" u="none" strike="noStrike" cap="none" normalizeH="0" baseline="0">
                 <a:ln>
                   <a:noFill/>
                 </a:ln>
@@ -12655,17 +12599,6 @@
               </a:rPr>
               <a:t>EXPLORE</a:t>
             </a:r>
-            <a:endParaRPr kumimoji="0" lang="en-US" sz="2400" b="0" i="0" u="none" strike="noStrike" cap="none" normalizeH="0" baseline="0">
-              <a:ln>
-                <a:noFill/>
-              </a:ln>
-              <a:solidFill>
-                <a:schemeClr val="tx1"/>
-              </a:solidFill>
-              <a:effectLst/>
-              <a:latin typeface="Tahoma" charset="0"/>
-              <a:ea typeface="ＭＳ Ｐゴシック" charset="0"/>
-            </a:endParaRPr>
           </a:p>
         </p:txBody>
       </p:sp>
@@ -12735,7 +12668,7 @@
               <a:tabLst/>
             </a:pPr>
             <a:r>
-              <a:rPr kumimoji="0" lang="en-US" sz="2400" b="0" i="0" u="none" strike="noStrike" cap="none" normalizeH="0" baseline="0" dirty="0" smtClean="0">
+              <a:rPr kumimoji="0" lang="en-US" sz="2400" b="0" i="0" u="none" strike="noStrike" cap="none" normalizeH="0" baseline="0" dirty="0">
                 <a:ln>
                   <a:noFill/>
                 </a:ln>
@@ -12748,17 +12681,6 @@
               </a:rPr>
               <a:t>UNDERSTAND</a:t>
             </a:r>
-            <a:endParaRPr kumimoji="0" lang="en-US" sz="2400" b="0" i="0" u="none" strike="noStrike" cap="none" normalizeH="0" baseline="0" dirty="0">
-              <a:ln>
-                <a:noFill/>
-              </a:ln>
-              <a:solidFill>
-                <a:schemeClr val="tx1"/>
-              </a:solidFill>
-              <a:effectLst/>
-              <a:latin typeface="Tahoma" charset="0"/>
-              <a:ea typeface="ＭＳ Ｐゴシック" charset="0"/>
-            </a:endParaRPr>
           </a:p>
         </p:txBody>
       </p:sp>
@@ -12828,7 +12750,7 @@
               <a:tabLst/>
             </a:pPr>
             <a:r>
-              <a:rPr kumimoji="0" lang="en-US" sz="2400" b="0" i="0" u="none" strike="noStrike" cap="none" normalizeH="0" baseline="0" dirty="0" smtClean="0">
+              <a:rPr kumimoji="0" lang="en-US" sz="2400" b="0" i="0" u="none" strike="noStrike" cap="none" normalizeH="0" baseline="0" dirty="0">
                 <a:ln>
                   <a:noFill/>
                 </a:ln>
@@ -12841,17 +12763,6 @@
               </a:rPr>
               <a:t>EVALUATE</a:t>
             </a:r>
-            <a:endParaRPr kumimoji="0" lang="en-US" sz="2400" b="0" i="0" u="none" strike="noStrike" cap="none" normalizeH="0" baseline="0" dirty="0">
-              <a:ln>
-                <a:noFill/>
-              </a:ln>
-              <a:solidFill>
-                <a:schemeClr val="tx1"/>
-              </a:solidFill>
-              <a:effectLst/>
-              <a:latin typeface="Tahoma" charset="0"/>
-              <a:ea typeface="ＭＳ Ｐゴシック" charset="0"/>
-            </a:endParaRPr>
           </a:p>
         </p:txBody>
       </p:sp>
@@ -12921,7 +12832,7 @@
               <a:tabLst/>
             </a:pPr>
             <a:r>
-              <a:rPr kumimoji="0" lang="en-US" sz="2400" b="0" i="0" u="none" strike="noStrike" cap="none" normalizeH="0" baseline="0" dirty="0" smtClean="0">
+              <a:rPr kumimoji="0" lang="en-US" sz="2400" b="0" i="0" u="none" strike="noStrike" cap="none" normalizeH="0" baseline="0" dirty="0">
                 <a:ln>
                   <a:noFill/>
                 </a:ln>
@@ -12934,17 +12845,6 @@
               </a:rPr>
               <a:t>MAKE</a:t>
             </a:r>
-            <a:endParaRPr kumimoji="0" lang="en-US" sz="2400" b="0" i="0" u="none" strike="noStrike" cap="none" normalizeH="0" baseline="0" dirty="0">
-              <a:ln>
-                <a:noFill/>
-              </a:ln>
-              <a:solidFill>
-                <a:schemeClr val="tx1"/>
-              </a:solidFill>
-              <a:effectLst/>
-              <a:latin typeface="Tahoma" charset="0"/>
-              <a:ea typeface="ＭＳ Ｐゴシック" charset="0"/>
-            </a:endParaRPr>
           </a:p>
         </p:txBody>
       </p:sp>
@@ -13004,13 +12904,6 @@
     <a:masterClrMapping/>
   </p:clrMapOvr>
   <p:transition/>
-  <p:timing>
-    <p:tnLst>
-      <p:par>
-        <p:cTn id="1" dur="indefinite" restart="never" nodeType="tmRoot"/>
-      </p:par>
-    </p:tnLst>
-  </p:timing>
 </p:sld>
 </file>
 
@@ -13071,14 +12964,13 @@
           <a:lstStyle/>
           <a:p>
             <a:r>
-              <a:rPr lang="en-US" smtClean="0"/>
+              <a:rPr lang="en-US"/>
               <a:t>A Conceptual Process </a:t>
             </a:r>
             <a:r>
-              <a:rPr lang="en-US" dirty="0" smtClean="0"/>
+              <a:rPr lang="en-US" dirty="0"/>
               <a:t>to Get Started</a:t>
             </a:r>
-            <a:endParaRPr lang="en-US" dirty="0"/>
           </a:p>
         </p:txBody>
       </p:sp>
@@ -13148,7 +13040,7 @@
               <a:tabLst/>
             </a:pPr>
             <a:r>
-              <a:rPr kumimoji="0" lang="en-US" sz="2400" b="0" i="0" u="none" strike="noStrike" cap="none" normalizeH="0" baseline="0" dirty="0" smtClean="0">
+              <a:rPr kumimoji="0" lang="en-US" sz="2400" b="0" i="0" u="none" strike="noStrike" cap="none" normalizeH="0" baseline="0" dirty="0">
                 <a:ln>
                   <a:noFill/>
                 </a:ln>
@@ -13161,17 +13053,6 @@
               </a:rPr>
               <a:t>UNDERSTAND</a:t>
             </a:r>
-            <a:endParaRPr kumimoji="0" lang="en-US" sz="2400" b="0" i="0" u="none" strike="noStrike" cap="none" normalizeH="0" baseline="0" dirty="0">
-              <a:ln>
-                <a:noFill/>
-              </a:ln>
-              <a:solidFill>
-                <a:schemeClr val="tx1"/>
-              </a:solidFill>
-              <a:effectLst/>
-              <a:latin typeface="Tahoma" charset="0"/>
-              <a:ea typeface="ＭＳ Ｐゴシック" charset="0"/>
-            </a:endParaRPr>
           </a:p>
         </p:txBody>
       </p:sp>
@@ -13259,13 +13140,6 @@
     <a:masterClrMapping/>
   </p:clrMapOvr>
   <p:transition/>
-  <p:timing>
-    <p:tnLst>
-      <p:par>
-        <p:cTn id="1" dur="indefinite" restart="never" nodeType="tmRoot"/>
-      </p:par>
-    </p:tnLst>
-  </p:timing>
 </p:sld>
 </file>
 
@@ -13326,14 +13200,13 @@
           <a:lstStyle/>
           <a:p>
             <a:r>
-              <a:rPr lang="en-US" smtClean="0"/>
+              <a:rPr lang="en-US"/>
               <a:t>A Conceptual Process </a:t>
             </a:r>
             <a:r>
-              <a:rPr lang="en-US" dirty="0" smtClean="0"/>
+              <a:rPr lang="en-US" dirty="0"/>
               <a:t>to Get Started</a:t>
             </a:r>
-            <a:endParaRPr lang="en-US" dirty="0"/>
           </a:p>
         </p:txBody>
       </p:sp>
@@ -13403,7 +13276,7 @@
               <a:tabLst/>
             </a:pPr>
             <a:r>
-              <a:rPr kumimoji="0" lang="en-US" sz="2400" b="0" i="0" u="none" strike="noStrike" cap="none" normalizeH="0" baseline="0" smtClean="0">
+              <a:rPr kumimoji="0" lang="en-US" sz="2400" b="0" i="0" u="none" strike="noStrike" cap="none" normalizeH="0" baseline="0">
                 <a:ln>
                   <a:noFill/>
                 </a:ln>
@@ -13416,17 +13289,6 @@
               </a:rPr>
               <a:t>EXPLORE</a:t>
             </a:r>
-            <a:endParaRPr kumimoji="0" lang="en-US" sz="2400" b="0" i="0" u="none" strike="noStrike" cap="none" normalizeH="0" baseline="0">
-              <a:ln>
-                <a:noFill/>
-              </a:ln>
-              <a:solidFill>
-                <a:schemeClr val="tx1"/>
-              </a:solidFill>
-              <a:effectLst/>
-              <a:latin typeface="Tahoma" charset="0"/>
-              <a:ea typeface="ＭＳ Ｐゴシック" charset="0"/>
-            </a:endParaRPr>
           </a:p>
         </p:txBody>
       </p:sp>
@@ -13514,13 +13376,6 @@
     <a:masterClrMapping/>
   </p:clrMapOvr>
   <p:transition/>
-  <p:timing>
-    <p:tnLst>
-      <p:par>
-        <p:cTn id="1" dur="indefinite" restart="never" nodeType="tmRoot"/>
-      </p:par>
-    </p:tnLst>
-  </p:timing>
 </p:sld>
 </file>
 
@@ -13581,14 +13436,13 @@
           <a:lstStyle/>
           <a:p>
             <a:r>
-              <a:rPr lang="en-US" smtClean="0"/>
+              <a:rPr lang="en-US"/>
               <a:t>A Conceptual Process </a:t>
             </a:r>
             <a:r>
-              <a:rPr lang="en-US" dirty="0" smtClean="0"/>
+              <a:rPr lang="en-US" dirty="0"/>
               <a:t>to Get Started</a:t>
             </a:r>
-            <a:endParaRPr lang="en-US" dirty="0"/>
           </a:p>
         </p:txBody>
       </p:sp>
@@ -13658,7 +13512,7 @@
               <a:tabLst/>
             </a:pPr>
             <a:r>
-              <a:rPr kumimoji="0" lang="en-US" sz="2400" b="0" i="0" u="none" strike="noStrike" cap="none" normalizeH="0" baseline="0" dirty="0" smtClean="0">
+              <a:rPr kumimoji="0" lang="en-US" sz="2400" b="0" i="0" u="none" strike="noStrike" cap="none" normalizeH="0" baseline="0" dirty="0">
                 <a:ln>
                   <a:noFill/>
                 </a:ln>
@@ -13671,17 +13525,6 @@
               </a:rPr>
               <a:t>MAKE</a:t>
             </a:r>
-            <a:endParaRPr kumimoji="0" lang="en-US" sz="2400" b="0" i="0" u="none" strike="noStrike" cap="none" normalizeH="0" baseline="0" dirty="0">
-              <a:ln>
-                <a:noFill/>
-              </a:ln>
-              <a:solidFill>
-                <a:schemeClr val="tx1"/>
-              </a:solidFill>
-              <a:effectLst/>
-              <a:latin typeface="Tahoma" charset="0"/>
-              <a:ea typeface="ＭＳ Ｐゴシック" charset="0"/>
-            </a:endParaRPr>
           </a:p>
         </p:txBody>
       </p:sp>
@@ -13769,13 +13612,6 @@
     <a:masterClrMapping/>
   </p:clrMapOvr>
   <p:transition/>
-  <p:timing>
-    <p:tnLst>
-      <p:par>
-        <p:cTn id="1" dur="indefinite" restart="never" nodeType="tmRoot"/>
-      </p:par>
-    </p:tnLst>
-  </p:timing>
 </p:sld>
 </file>
 
@@ -13836,10 +13672,9 @@
           <a:lstStyle/>
           <a:p>
             <a:r>
-              <a:rPr lang="en-US" dirty="0" smtClean="0"/>
+              <a:rPr lang="en-US" dirty="0"/>
               <a:t>Why is the ability to reconstruct an architecture important?</a:t>
             </a:r>
-            <a:endParaRPr lang="en-US" dirty="0"/>
           </a:p>
         </p:txBody>
       </p:sp>
@@ -13869,22 +13704,18 @@
               </a:lnSpc>
             </a:pPr>
             <a:r>
-              <a:rPr lang="en-US" sz="1800" b="1" dirty="0" smtClean="0"/>
+              <a:rPr lang="en-US" sz="1800" b="1" dirty="0"/>
               <a:t>Program Understanding </a:t>
             </a:r>
             <a:r>
-              <a:rPr lang="en-US" sz="1800" dirty="0" smtClean="0"/>
+              <a:rPr lang="en-US" sz="1800" dirty="0"/>
               <a:t>– we need to make modifications to the system, where would the modifications go, how long would they take,</a:t>
-            </a:r>
-            <a:r>
-              <a:rPr lang="en-US" sz="1800" dirty="0"/>
-              <a:t/>
             </a:r>
             <a:br>
               <a:rPr lang="en-US" sz="1800" dirty="0"/>
             </a:br>
             <a:r>
-              <a:rPr lang="en-US" sz="1800" dirty="0" smtClean="0"/>
+              <a:rPr lang="en-US" sz="1800" dirty="0"/>
               <a:t>how much would they cost</a:t>
             </a:r>
           </a:p>
@@ -13895,18 +13726,18 @@
               </a:lnSpc>
             </a:pPr>
             <a:r>
-              <a:rPr lang="en-US" sz="1800" b="1" dirty="0" smtClean="0"/>
+              <a:rPr lang="en-US" sz="1800" b="1" dirty="0"/>
               <a:t>Explaining the operation of the system to stakeholders </a:t>
             </a:r>
             <a:r>
-              <a:rPr lang="en-US" sz="1800" dirty="0" smtClean="0"/>
+              <a:rPr lang="en-US" sz="1800" dirty="0"/>
               <a:t>– how does the system work, what are its major features, why should you use</a:t>
             </a:r>
             <a:br>
-              <a:rPr lang="en-US" sz="1800" dirty="0" smtClean="0"/>
+              <a:rPr lang="en-US" sz="1800" dirty="0"/>
             </a:br>
             <a:r>
-              <a:rPr lang="en-US" sz="1800" dirty="0" smtClean="0"/>
+              <a:rPr lang="en-US" sz="1800" dirty="0"/>
               <a:t>this system versus a competitors solution</a:t>
             </a:r>
           </a:p>
@@ -13917,18 +13748,18 @@
               </a:lnSpc>
             </a:pPr>
             <a:r>
-              <a:rPr lang="en-US" sz="1800" b="1" dirty="0" smtClean="0"/>
+              <a:rPr lang="en-US" sz="1800" b="1" dirty="0"/>
               <a:t>Providing a common document </a:t>
             </a:r>
             <a:r>
-              <a:rPr lang="en-US" sz="1800" dirty="0" smtClean="0"/>
+              <a:rPr lang="en-US" sz="1800" dirty="0"/>
               <a:t>to capture the high-level design of the system that can be used to make important management and </a:t>
             </a:r>
             <a:br>
-              <a:rPr lang="en-US" sz="1800" dirty="0" smtClean="0"/>
+              <a:rPr lang="en-US" sz="1800" dirty="0"/>
             </a:br>
             <a:r>
-              <a:rPr lang="en-US" sz="1800" dirty="0" smtClean="0"/>
+              <a:rPr lang="en-US" sz="1800" dirty="0"/>
               <a:t>technical decisions</a:t>
             </a:r>
           </a:p>
@@ -13939,11 +13770,11 @@
               </a:lnSpc>
             </a:pPr>
             <a:r>
-              <a:rPr lang="en-US" sz="1800" b="1" dirty="0" smtClean="0"/>
+              <a:rPr lang="en-US" sz="1800" b="1" dirty="0"/>
               <a:t>Measuring technical health and technical debt </a:t>
             </a:r>
             <a:r>
-              <a:rPr lang="en-US" sz="1800" dirty="0" smtClean="0"/>
+              <a:rPr lang="en-US" sz="1800" dirty="0"/>
               <a:t>– how far does the “as built” system deviate from the “as designed” architecture? </a:t>
             </a:r>
           </a:p>
@@ -14008,24 +13839,23 @@
           <a:lstStyle/>
           <a:p>
             <a:r>
-              <a:rPr lang="en-US" b="1" dirty="0" smtClean="0"/>
+              <a:rPr lang="en-US" b="1" dirty="0"/>
               <a:t>Its important to be able to reconstruct an</a:t>
             </a:r>
             <a:br>
-              <a:rPr lang="en-US" b="1" dirty="0" smtClean="0"/>
+              <a:rPr lang="en-US" b="1" dirty="0"/>
             </a:br>
             <a:r>
-              <a:rPr lang="en-US" b="1" dirty="0" smtClean="0"/>
+              <a:rPr lang="en-US" b="1" dirty="0"/>
               <a:t>architecture to reason about its design for a number</a:t>
             </a:r>
             <a:br>
-              <a:rPr lang="en-US" b="1" dirty="0" smtClean="0"/>
+              <a:rPr lang="en-US" b="1" dirty="0"/>
             </a:br>
             <a:r>
-              <a:rPr lang="en-US" b="1" dirty="0" smtClean="0"/>
+              <a:rPr lang="en-US" b="1" dirty="0"/>
               <a:t>of reasons…</a:t>
             </a:r>
-            <a:endParaRPr lang="en-US" b="1" dirty="0"/>
           </a:p>
         </p:txBody>
       </p:sp>
@@ -14035,13 +13865,6 @@
     <a:masterClrMapping/>
   </p:clrMapOvr>
   <p:transition/>
-  <p:timing>
-    <p:tnLst>
-      <p:par>
-        <p:cTn id="1" dur="indefinite" restart="never" nodeType="tmRoot"/>
-      </p:par>
-    </p:tnLst>
-  </p:timing>
 </p:sld>
 </file>
 
@@ -14102,14 +13925,13 @@
           <a:lstStyle/>
           <a:p>
             <a:r>
-              <a:rPr lang="en-US" smtClean="0"/>
+              <a:rPr lang="en-US"/>
               <a:t>A Conceptual Process </a:t>
             </a:r>
             <a:r>
-              <a:rPr lang="en-US" dirty="0" smtClean="0"/>
+              <a:rPr lang="en-US" dirty="0"/>
               <a:t>to Get Started</a:t>
             </a:r>
-            <a:endParaRPr lang="en-US" dirty="0"/>
           </a:p>
         </p:txBody>
       </p:sp>
@@ -14179,7 +14001,7 @@
               <a:tabLst/>
             </a:pPr>
             <a:r>
-              <a:rPr kumimoji="0" lang="en-US" sz="2400" b="0" i="0" u="none" strike="noStrike" cap="none" normalizeH="0" baseline="0" dirty="0" smtClean="0">
+              <a:rPr kumimoji="0" lang="en-US" sz="2400" b="0" i="0" u="none" strike="noStrike" cap="none" normalizeH="0" baseline="0" dirty="0">
                 <a:ln>
                   <a:noFill/>
                 </a:ln>
@@ -14192,17 +14014,6 @@
               </a:rPr>
               <a:t>EVALUATE</a:t>
             </a:r>
-            <a:endParaRPr kumimoji="0" lang="en-US" sz="2400" b="0" i="0" u="none" strike="noStrike" cap="none" normalizeH="0" baseline="0" dirty="0">
-              <a:ln>
-                <a:noFill/>
-              </a:ln>
-              <a:solidFill>
-                <a:schemeClr val="tx1"/>
-              </a:solidFill>
-              <a:effectLst/>
-              <a:latin typeface="Tahoma" charset="0"/>
-              <a:ea typeface="ＭＳ Ｐゴシック" charset="0"/>
-            </a:endParaRPr>
           </a:p>
         </p:txBody>
       </p:sp>
@@ -14290,13 +14101,6 @@
     <a:masterClrMapping/>
   </p:clrMapOvr>
   <p:transition/>
-  <p:timing>
-    <p:tnLst>
-      <p:par>
-        <p:cTn id="1" dur="indefinite" restart="never" nodeType="tmRoot"/>
-      </p:par>
-    </p:tnLst>
-  </p:timing>
 </p:sld>
 </file>
 
@@ -14357,10 +14161,9 @@
           <a:lstStyle/>
           <a:p>
             <a:r>
-              <a:rPr lang="en-US" dirty="0" smtClean="0"/>
+              <a:rPr lang="en-US" dirty="0"/>
               <a:t>Types of architecture models / views</a:t>
             </a:r>
-            <a:endParaRPr lang="en-US" dirty="0"/>
           </a:p>
         </p:txBody>
       </p:sp>
@@ -14385,7 +14188,7 @@
           <a:lstStyle/>
           <a:p>
             <a:r>
-              <a:rPr lang="en-US" sz="2400" b="1" dirty="0" smtClean="0">
+              <a:rPr lang="en-US" sz="2400" b="1" dirty="0">
                 <a:solidFill>
                   <a:srgbClr val="008000"/>
                 </a:solidFill>
@@ -14393,21 +14196,21 @@
               <a:t>Reference Architecture </a:t>
             </a:r>
             <a:r>
-              <a:rPr lang="en-US" sz="2400" dirty="0" smtClean="0"/>
+              <a:rPr lang="en-US" sz="2400" dirty="0"/>
               <a:t>– Provides a view across a particular domain or problem space</a:t>
             </a:r>
           </a:p>
           <a:p>
             <a:r>
-              <a:rPr lang="en-US" sz="2400" b="1" dirty="0" smtClean="0">
+              <a:rPr lang="en-US" sz="2400" b="1" dirty="0">
                 <a:solidFill>
                   <a:srgbClr val="008000"/>
                 </a:solidFill>
               </a:rPr>
-              <a:t>Conceptual Architecture </a:t>
-            </a:r>
-            <a:r>
-              <a:rPr lang="en-US" sz="2400" dirty="0" smtClean="0">
+              <a:t>Solution Architecture </a:t>
+            </a:r>
+            <a:r>
+              <a:rPr lang="en-US" sz="2400" dirty="0">
                 <a:solidFill>
                   <a:srgbClr val="000090"/>
                 </a:solidFill>
@@ -14416,17 +14219,9 @@
             </a:r>
             <a:r>
               <a:rPr lang="en-US" sz="2400" dirty="0"/>
-              <a:t>P</a:t>
-            </a:r>
-            <a:r>
-              <a:rPr lang="en-US" sz="2400" dirty="0" smtClean="0"/>
-              <a:t>rovide </a:t>
-            </a:r>
-            <a:r>
-              <a:rPr lang="en-US" sz="2400" dirty="0"/>
-              <a:t>an understandable picture of the overall purpose of the proposed solution. </a:t>
-            </a:r>
-            <a:endParaRPr lang="en-US" sz="2400" dirty="0" smtClean="0">
+              <a:t>Provide an understandable picture of the overall purpose of the proposed solution. Focus on the right level of abstraction</a:t>
+            </a:r>
+            <a:endParaRPr lang="en-US" sz="2400" dirty="0">
               <a:solidFill>
                 <a:srgbClr val="000090"/>
               </a:solidFill>
@@ -14434,34 +14229,7 @@
           </a:p>
           <a:p>
             <a:r>
-              <a:rPr lang="en-US" sz="2400" b="1" dirty="0" smtClean="0">
-                <a:solidFill>
-                  <a:srgbClr val="008000"/>
-                </a:solidFill>
-              </a:rPr>
-              <a:t>Logical Architecture </a:t>
-            </a:r>
-            <a:r>
-              <a:rPr lang="en-US" sz="2400" dirty="0" smtClean="0">
-                <a:solidFill>
-                  <a:srgbClr val="000090"/>
-                </a:solidFill>
-              </a:rPr>
-              <a:t>- </a:t>
-            </a:r>
-            <a:r>
-              <a:rPr lang="en-US" sz="2400" dirty="0"/>
-              <a:t>detailed design which includes all major components and entities plus their relationships. </a:t>
-            </a:r>
-            <a:endParaRPr lang="en-US" sz="2400" dirty="0" smtClean="0">
-              <a:solidFill>
-                <a:srgbClr val="000090"/>
-              </a:solidFill>
-            </a:endParaRPr>
-          </a:p>
-          <a:p>
-            <a:r>
-              <a:rPr lang="en-US" sz="2400" b="1" dirty="0" smtClean="0">
+              <a:rPr lang="en-US" sz="2400" b="1" dirty="0">
                 <a:solidFill>
                   <a:srgbClr val="008000"/>
                 </a:solidFill>
@@ -14469,7 +14237,7 @@
               <a:t>Physical Architecture </a:t>
             </a:r>
             <a:r>
-              <a:rPr lang="en-US" sz="2400" dirty="0" smtClean="0">
+              <a:rPr lang="en-US" sz="2400" dirty="0">
                 <a:solidFill>
                   <a:srgbClr val="000090"/>
                 </a:solidFill>
@@ -14477,7 +14245,7 @@
               <a:t>– Shows physical components such as servers, firewalls, network equipment, storage engines, etc.  Generally captures location and function – </a:t>
             </a:r>
             <a:r>
-              <a:rPr lang="en-US" sz="2400" dirty="0" err="1" smtClean="0">
+              <a:rPr lang="en-US" sz="2400" dirty="0" err="1">
                 <a:solidFill>
                   <a:srgbClr val="000090"/>
                 </a:solidFill>
@@ -14485,18 +14253,289 @@
               <a:t>ie</a:t>
             </a:r>
             <a:r>
-              <a:rPr lang="en-US" sz="2400" dirty="0" smtClean="0">
+              <a:rPr lang="en-US" sz="2400" dirty="0">
                 <a:solidFill>
                   <a:srgbClr val="000090"/>
                 </a:solidFill>
               </a:rPr>
               <a:t> “A Web Server”</a:t>
             </a:r>
-            <a:endParaRPr lang="en-US" sz="2000" dirty="0" smtClean="0">
+            <a:endParaRPr lang="en-US" sz="2000" dirty="0">
               <a:solidFill>
                 <a:srgbClr val="000090"/>
               </a:solidFill>
             </a:endParaRPr>
+          </a:p>
+        </p:txBody>
+      </p:sp>
+    </p:spTree>
+    <p:extLst>
+      <p:ext uri="{BB962C8B-B14F-4D97-AF65-F5344CB8AC3E}">
+        <p14:creationId xmlns:p14="http://schemas.microsoft.com/office/powerpoint/2010/main" val="2599283203"/>
+      </p:ext>
+    </p:extLst>
+  </p:cSld>
+  <p:clrMapOvr>
+    <a:masterClrMapping/>
+  </p:clrMapOvr>
+  <p:transition/>
+</p:sld>
+</file>
+
+<file path=ppt/slides/slide22.xml><?xml version="1.0" encoding="utf-8"?>
+<p:sld xmlns:a="http://schemas.openxmlformats.org/drawingml/2006/main" xmlns:r="http://schemas.openxmlformats.org/officeDocument/2006/relationships" xmlns:p="http://schemas.openxmlformats.org/presentationml/2006/main">
+  <p:cSld>
+    <p:spTree>
+      <p:nvGrpSpPr>
+        <p:cNvPr id="1" name=""/>
+        <p:cNvGrpSpPr/>
+        <p:nvPr/>
+      </p:nvGrpSpPr>
+      <p:grpSpPr>
+        <a:xfrm>
+          <a:off x="0" y="0"/>
+          <a:ext cx="0" cy="0"/>
+          <a:chOff x="0" y="0"/>
+          <a:chExt cx="0" cy="0"/>
+        </a:xfrm>
+      </p:grpSpPr>
+      <p:sp>
+        <p:nvSpPr>
+          <p:cNvPr id="4" name="Slide Number Placeholder 4"/>
+          <p:cNvSpPr>
+            <a:spLocks noGrp="1"/>
+          </p:cNvSpPr>
+          <p:nvPr>
+            <p:ph type="sldNum" sz="quarter" idx="11"/>
+          </p:nvPr>
+        </p:nvSpPr>
+        <p:spPr/>
+        <p:txBody>
+          <a:bodyPr/>
+          <a:lstStyle/>
+          <a:p>
+            <a:fld id="{8BE99BFD-8863-B045-8AED-C026A27B630D}" type="slidenum">
+              <a:rPr lang="en-US"/>
+              <a:pPr/>
+              <a:t>22</a:t>
+            </a:fld>
+            <a:endParaRPr lang="en-US"/>
+          </a:p>
+        </p:txBody>
+      </p:sp>
+      <p:sp>
+        <p:nvSpPr>
+          <p:cNvPr id="477186" name="Rectangle 2"/>
+          <p:cNvSpPr>
+            <a:spLocks noGrp="1" noChangeArrowheads="1"/>
+          </p:cNvSpPr>
+          <p:nvPr>
+            <p:ph type="title"/>
+          </p:nvPr>
+        </p:nvSpPr>
+        <p:spPr/>
+        <p:txBody>
+          <a:bodyPr/>
+          <a:lstStyle/>
+          <a:p>
+            <a:r>
+              <a:rPr lang="en-US" dirty="0"/>
+              <a:t>Some best practices for modeling architectures from Simon Brown</a:t>
+            </a:r>
+          </a:p>
+        </p:txBody>
+      </p:sp>
+      <p:sp>
+        <p:nvSpPr>
+          <p:cNvPr id="6" name="Rectangle 5">
+            <a:extLst>
+              <a:ext uri="{FF2B5EF4-FFF2-40B4-BE49-F238E27FC236}">
+                <a16:creationId xmlns:a16="http://schemas.microsoft.com/office/drawing/2014/main" id="{5462612E-7CF0-8347-B7DC-969AE9B5F2A2}"/>
+              </a:ext>
+            </a:extLst>
+          </p:cNvPr>
+          <p:cNvSpPr/>
+          <p:nvPr/>
+        </p:nvSpPr>
+        <p:spPr>
+          <a:xfrm>
+            <a:off x="838200" y="3013502"/>
+            <a:ext cx="7772400" cy="461665"/>
+          </a:xfrm>
+          <a:prstGeom prst="rect">
+            <a:avLst/>
+          </a:prstGeom>
+        </p:spPr>
+        <p:txBody>
+          <a:bodyPr wrap="square">
+            <a:spAutoFit/>
+          </a:bodyPr>
+          <a:lstStyle/>
+          <a:p>
+            <a:r>
+              <a:rPr lang="en-US" dirty="0">
+                <a:hlinkClick r:id="rId2"/>
+              </a:rPr>
+              <a:t>https://www.youtube.com/watch?v=x2-rSnhpw0g</a:t>
+            </a:r>
+            <a:endParaRPr lang="en-US" dirty="0"/>
+          </a:p>
+        </p:txBody>
+      </p:sp>
+      <p:sp>
+        <p:nvSpPr>
+          <p:cNvPr id="7" name="TextBox 6">
+            <a:extLst>
+              <a:ext uri="{FF2B5EF4-FFF2-40B4-BE49-F238E27FC236}">
+                <a16:creationId xmlns:a16="http://schemas.microsoft.com/office/drawing/2014/main" id="{039C3458-3A44-CE4E-A657-ED2EB2554267}"/>
+              </a:ext>
+            </a:extLst>
+          </p:cNvPr>
+          <p:cNvSpPr txBox="1"/>
+          <p:nvPr/>
+        </p:nvSpPr>
+        <p:spPr>
+          <a:xfrm>
+            <a:off x="838200" y="2372751"/>
+            <a:ext cx="1336713" cy="461665"/>
+          </a:xfrm>
+          <a:prstGeom prst="rect">
+            <a:avLst/>
+          </a:prstGeom>
+          <a:noFill/>
+        </p:spPr>
+        <p:txBody>
+          <a:bodyPr wrap="none" rtlCol="0">
+            <a:spAutoFit/>
+          </a:bodyPr>
+          <a:lstStyle/>
+          <a:p>
+            <a:r>
+              <a:rPr lang="en-US" dirty="0"/>
+              <a:t>YouTube</a:t>
+            </a:r>
+          </a:p>
+        </p:txBody>
+      </p:sp>
+      <p:sp>
+        <p:nvSpPr>
+          <p:cNvPr id="10" name="TextBox 9">
+            <a:extLst>
+              <a:ext uri="{FF2B5EF4-FFF2-40B4-BE49-F238E27FC236}">
+                <a16:creationId xmlns:a16="http://schemas.microsoft.com/office/drawing/2014/main" id="{E6EC0A11-43E7-D84A-8DFB-9118C80693C9}"/>
+              </a:ext>
+            </a:extLst>
+          </p:cNvPr>
+          <p:cNvSpPr txBox="1"/>
+          <p:nvPr/>
+        </p:nvSpPr>
+        <p:spPr>
+          <a:xfrm>
+            <a:off x="834081" y="3961620"/>
+            <a:ext cx="2879314" cy="461665"/>
+          </a:xfrm>
+          <a:prstGeom prst="rect">
+            <a:avLst/>
+          </a:prstGeom>
+          <a:noFill/>
+        </p:spPr>
+        <p:txBody>
+          <a:bodyPr wrap="none" rtlCol="0">
+            <a:spAutoFit/>
+          </a:bodyPr>
+          <a:lstStyle/>
+          <a:p>
+            <a:r>
+              <a:rPr lang="en-US" dirty="0"/>
+              <a:t>Companion Material</a:t>
+            </a:r>
+          </a:p>
+        </p:txBody>
+      </p:sp>
+      <p:sp>
+        <p:nvSpPr>
+          <p:cNvPr id="8" name="Rectangle 7">
+            <a:extLst>
+              <a:ext uri="{FF2B5EF4-FFF2-40B4-BE49-F238E27FC236}">
+                <a16:creationId xmlns:a16="http://schemas.microsoft.com/office/drawing/2014/main" id="{F2C26C61-64DD-2841-8B06-F2269A61DE1E}"/>
+              </a:ext>
+            </a:extLst>
+          </p:cNvPr>
+          <p:cNvSpPr/>
+          <p:nvPr/>
+        </p:nvSpPr>
+        <p:spPr>
+          <a:xfrm>
+            <a:off x="842319" y="4433841"/>
+            <a:ext cx="3042692" cy="461665"/>
+          </a:xfrm>
+          <a:prstGeom prst="rect">
+            <a:avLst/>
+          </a:prstGeom>
+        </p:spPr>
+        <p:txBody>
+          <a:bodyPr wrap="none">
+            <a:spAutoFit/>
+          </a:bodyPr>
+          <a:lstStyle/>
+          <a:p>
+            <a:r>
+              <a:rPr lang="en-US" dirty="0">
+                <a:hlinkClick r:id="rId3"/>
+              </a:rPr>
+              <a:t>https://architectis.je/</a:t>
+            </a:r>
+            <a:endParaRPr lang="en-US" dirty="0"/>
+          </a:p>
+        </p:txBody>
+      </p:sp>
+      <p:sp>
+        <p:nvSpPr>
+          <p:cNvPr id="12" name="TextBox 11">
+            <a:extLst>
+              <a:ext uri="{FF2B5EF4-FFF2-40B4-BE49-F238E27FC236}">
+                <a16:creationId xmlns:a16="http://schemas.microsoft.com/office/drawing/2014/main" id="{B6B076F3-8386-AF4F-A4BB-20E322EE8A71}"/>
+              </a:ext>
+            </a:extLst>
+          </p:cNvPr>
+          <p:cNvSpPr txBox="1"/>
+          <p:nvPr/>
+        </p:nvSpPr>
+        <p:spPr>
+          <a:xfrm>
+            <a:off x="1219200" y="4810036"/>
+            <a:ext cx="7531934" cy="830997"/>
+          </a:xfrm>
+          <a:prstGeom prst="rect">
+            <a:avLst/>
+          </a:prstGeom>
+          <a:noFill/>
+        </p:spPr>
+        <p:txBody>
+          <a:bodyPr wrap="none" rtlCol="0">
+            <a:spAutoFit/>
+          </a:bodyPr>
+          <a:lstStyle/>
+          <a:p>
+            <a:r>
+              <a:rPr lang="en-US" dirty="0"/>
+              <a:t>A copy of Simon’s visualizing materials is also under</a:t>
+            </a:r>
+            <a:br>
+              <a:rPr lang="en-US" dirty="0"/>
+            </a:br>
+            <a:r>
+              <a:rPr lang="en-US" dirty="0"/>
+              <a:t>the /</a:t>
+            </a:r>
+            <a:r>
+              <a:rPr lang="en-US" dirty="0" err="1"/>
+              <a:t>Misc</a:t>
+            </a:r>
+            <a:r>
+              <a:rPr lang="en-US" dirty="0"/>
+              <a:t> directory of the course materials on GitHub</a:t>
+            </a:r>
           </a:p>
         </p:txBody>
       </p:sp>
@@ -14511,13 +14550,6 @@
     <a:masterClrMapping/>
   </p:clrMapOvr>
   <p:transition/>
-  <p:timing>
-    <p:tnLst>
-      <p:par>
-        <p:cTn id="1" dur="indefinite" restart="never" nodeType="tmRoot"/>
-      </p:par>
-    </p:tnLst>
-  </p:timing>
 </p:sld>
 </file>
 
@@ -14578,10 +14610,9 @@
           <a:lstStyle/>
           <a:p>
             <a:r>
-              <a:rPr lang="en-US" dirty="0" smtClean="0"/>
+              <a:rPr lang="en-US" dirty="0"/>
               <a:t>Where to Start? Consider what needs to be modeled!</a:t>
             </a:r>
-            <a:endParaRPr lang="en-US" dirty="0"/>
           </a:p>
         </p:txBody>
       </p:sp>
@@ -14611,11 +14642,11 @@
               </a:lnSpc>
             </a:pPr>
             <a:r>
-              <a:rPr lang="en-US" sz="2000" b="1" dirty="0" smtClean="0"/>
+              <a:rPr lang="en-US" sz="2000" b="1" dirty="0"/>
               <a:t>Components</a:t>
             </a:r>
             <a:r>
-              <a:rPr lang="en-US" sz="2000" dirty="0" smtClean="0"/>
+              <a:rPr lang="en-US" sz="2000" dirty="0"/>
               <a:t> – hierarchical description of the major subsystems</a:t>
             </a:r>
           </a:p>
@@ -14626,11 +14657,11 @@
               </a:lnSpc>
             </a:pPr>
             <a:r>
-              <a:rPr lang="en-US" sz="2000" b="1" dirty="0" smtClean="0"/>
+              <a:rPr lang="en-US" sz="2000" b="1" dirty="0"/>
               <a:t>Connectors</a:t>
             </a:r>
             <a:r>
-              <a:rPr lang="en-US" sz="2000" dirty="0" smtClean="0"/>
+              <a:rPr lang="en-US" sz="2000" dirty="0"/>
               <a:t> – connections between the components</a:t>
             </a:r>
           </a:p>
@@ -14641,11 +14672,11 @@
               </a:lnSpc>
             </a:pPr>
             <a:r>
-              <a:rPr lang="en-US" sz="2000" b="1" dirty="0" smtClean="0"/>
+              <a:rPr lang="en-US" sz="2000" b="1" dirty="0"/>
               <a:t>Interfaces </a:t>
             </a:r>
             <a:r>
-              <a:rPr lang="en-US" sz="2000" dirty="0" smtClean="0"/>
+              <a:rPr lang="en-US" sz="2000" dirty="0"/>
               <a:t>– the protocols governing the connectors, or the properties managed by the clients </a:t>
             </a:r>
           </a:p>
@@ -14656,11 +14687,11 @@
               </a:lnSpc>
             </a:pPr>
             <a:r>
-              <a:rPr lang="en-US" sz="2000" b="1" dirty="0" smtClean="0"/>
+              <a:rPr lang="en-US" sz="2000" b="1" dirty="0"/>
               <a:t>Patterns and Styles </a:t>
             </a:r>
             <a:r>
-              <a:rPr lang="en-US" sz="2000" dirty="0" smtClean="0"/>
+              <a:rPr lang="en-US" sz="2000" dirty="0"/>
               <a:t>– are there any interesting patterns or styles used in the architecture that should be documented?</a:t>
             </a:r>
           </a:p>
@@ -14671,11 +14702,11 @@
               </a:lnSpc>
             </a:pPr>
             <a:r>
-              <a:rPr lang="en-US" sz="2000" b="1" dirty="0" smtClean="0"/>
+              <a:rPr lang="en-US" sz="2000" b="1" dirty="0"/>
               <a:t>Rationale</a:t>
             </a:r>
             <a:r>
-              <a:rPr lang="en-US" sz="2000" dirty="0" smtClean="0"/>
+              <a:rPr lang="en-US" sz="2000" dirty="0"/>
               <a:t> – reasoning behind decisions of the aspects we chose to model – are they important to stakeholders?  are they critical to the understanding of the system?</a:t>
             </a:r>
           </a:p>
@@ -14686,22 +14717,21 @@
               </a:lnSpc>
             </a:pPr>
             <a:r>
-              <a:rPr lang="en-US" sz="2000" b="1" dirty="0" smtClean="0"/>
+              <a:rPr lang="en-US" sz="2000" b="1" dirty="0"/>
               <a:t>Constraints </a:t>
             </a:r>
             <a:r>
-              <a:rPr lang="en-US" sz="2000" dirty="0" smtClean="0"/>
+              <a:rPr lang="en-US" sz="2000" dirty="0"/>
               <a:t>– what dependencies don</a:t>
             </a:r>
             <a:r>
-              <a:rPr lang="fr-FR" sz="2000" dirty="0" smtClean="0"/>
+              <a:rPr lang="fr-FR" sz="2000" dirty="0"/>
               <a:t>’</a:t>
             </a:r>
             <a:r>
-              <a:rPr lang="en-US" sz="2000" dirty="0" smtClean="0"/>
+              <a:rPr lang="en-US" sz="2000" dirty="0"/>
               <a:t>t we want to have in the solution</a:t>
             </a:r>
-            <a:endParaRPr lang="en-US" sz="2000" dirty="0"/>
           </a:p>
         </p:txBody>
       </p:sp>
@@ -14764,17 +14794,16 @@
           <a:lstStyle/>
           <a:p>
             <a:r>
-              <a:rPr lang="en-US" b="1" dirty="0" smtClean="0"/>
+              <a:rPr lang="en-US" b="1" dirty="0"/>
               <a:t>The hardest part of reconstructing an architecture</a:t>
             </a:r>
             <a:br>
-              <a:rPr lang="en-US" b="1" dirty="0" smtClean="0"/>
+              <a:rPr lang="en-US" b="1" dirty="0"/>
             </a:br>
             <a:r>
-              <a:rPr lang="en-US" b="1" dirty="0" smtClean="0"/>
+              <a:rPr lang="en-US" b="1" dirty="0"/>
               <a:t>is selecting what needs to be modeled …</a:t>
             </a:r>
-            <a:endParaRPr lang="en-US" b="1" dirty="0"/>
           </a:p>
         </p:txBody>
       </p:sp>
@@ -14789,13 +14818,6 @@
     <a:masterClrMapping/>
   </p:clrMapOvr>
   <p:transition/>
-  <p:timing>
-    <p:tnLst>
-      <p:par>
-        <p:cTn id="1" dur="indefinite" restart="never" nodeType="tmRoot"/>
-      </p:par>
-    </p:tnLst>
-  </p:timing>
 </p:sld>
 </file>
 
@@ -14856,10 +14878,9 @@
           <a:lstStyle/>
           <a:p>
             <a:r>
-              <a:rPr lang="en-US" dirty="0" smtClean="0"/>
+              <a:rPr lang="en-US" dirty="0"/>
               <a:t>Where to Start? Consider what needs to be modeled!</a:t>
             </a:r>
-            <a:endParaRPr lang="en-US" dirty="0"/>
           </a:p>
         </p:txBody>
       </p:sp>
@@ -14889,14 +14910,14 @@
               </a:lnSpc>
             </a:pPr>
             <a:r>
-              <a:rPr lang="en-US" sz="2800" dirty="0" smtClean="0"/>
+              <a:rPr lang="en-US" sz="2800" dirty="0"/>
               <a:t>Static aspects are things that do not change</a:t>
             </a:r>
             <a:br>
-              <a:rPr lang="en-US" sz="2800" dirty="0" smtClean="0"/>
+              <a:rPr lang="en-US" sz="2800" dirty="0"/>
             </a:br>
             <a:r>
-              <a:rPr lang="en-US" sz="2800" dirty="0" smtClean="0"/>
+              <a:rPr lang="en-US" sz="2800" dirty="0"/>
               <a:t>as the system runs, and</a:t>
             </a:r>
           </a:p>
@@ -14907,7 +14928,7 @@
               </a:lnSpc>
             </a:pPr>
             <a:r>
-              <a:rPr lang="en-US" sz="2800" dirty="0" smtClean="0"/>
+              <a:rPr lang="en-US" sz="2800" dirty="0"/>
               <a:t>Dynamic aspects are things that do change, manage important state, or are sequence dependent</a:t>
             </a:r>
           </a:p>
@@ -14918,10 +14939,9 @@
               </a:lnSpc>
             </a:pPr>
             <a:r>
-              <a:rPr lang="en-US" sz="2800" dirty="0" smtClean="0"/>
+              <a:rPr lang="en-US" sz="2800" dirty="0"/>
               <a:t>Platform aspects are things where the runtime or deployment decisions play an important part of the architecture – load balancers, proxy servers, etc. </a:t>
             </a:r>
-            <a:endParaRPr lang="en-US" sz="2800" dirty="0"/>
           </a:p>
         </p:txBody>
       </p:sp>
@@ -14984,17 +15004,16 @@
           <a:lstStyle/>
           <a:p>
             <a:r>
-              <a:rPr lang="en-US" b="1" dirty="0" smtClean="0"/>
+              <a:rPr lang="en-US" b="1" dirty="0"/>
               <a:t>Think about what is important to show to </a:t>
             </a:r>
             <a:br>
-              <a:rPr lang="en-US" b="1" dirty="0" smtClean="0"/>
+              <a:rPr lang="en-US" b="1" dirty="0"/>
             </a:br>
             <a:r>
-              <a:rPr lang="en-US" b="1" dirty="0" smtClean="0"/>
+              <a:rPr lang="en-US" b="1" dirty="0"/>
               <a:t>promote an understanding of the architecture…</a:t>
             </a:r>
-            <a:endParaRPr lang="en-US" b="1" dirty="0"/>
           </a:p>
         </p:txBody>
       </p:sp>
@@ -15009,13 +15028,6 @@
     <a:masterClrMapping/>
   </p:clrMapOvr>
   <p:transition/>
-  <p:timing>
-    <p:tnLst>
-      <p:par>
-        <p:cTn id="1" dur="indefinite" restart="never" nodeType="tmRoot"/>
-      </p:par>
-    </p:tnLst>
-  </p:timing>
 </p:sld>
 </file>
 
@@ -15076,10 +15088,9 @@
           <a:lstStyle/>
           <a:p>
             <a:r>
-              <a:rPr lang="en-US" dirty="0" smtClean="0"/>
+              <a:rPr lang="en-US" dirty="0"/>
               <a:t>Where to Start? Consider what needs to be modeled!</a:t>
             </a:r>
-            <a:endParaRPr lang="en-US" dirty="0"/>
           </a:p>
         </p:txBody>
       </p:sp>
@@ -15109,7 +15120,7 @@
               </a:lnSpc>
             </a:pPr>
             <a:r>
-              <a:rPr lang="en-US" sz="2800" dirty="0" smtClean="0"/>
+              <a:rPr lang="en-US" sz="2800" dirty="0"/>
               <a:t>Look at the code</a:t>
             </a:r>
           </a:p>
@@ -15120,7 +15131,7 @@
               </a:lnSpc>
             </a:pPr>
             <a:r>
-              <a:rPr lang="en-US" sz="2400" dirty="0" smtClean="0"/>
+              <a:rPr lang="en-US" sz="2400" dirty="0"/>
               <a:t>Source code analysis tools</a:t>
             </a:r>
           </a:p>
@@ -15131,7 +15142,7 @@
               </a:lnSpc>
             </a:pPr>
             <a:r>
-              <a:rPr lang="en-US" sz="2400" dirty="0" smtClean="0"/>
+              <a:rPr lang="en-US" sz="2400" dirty="0"/>
               <a:t>Class/package structure</a:t>
             </a:r>
           </a:p>
@@ -15142,7 +15153,7 @@
               </a:lnSpc>
             </a:pPr>
             <a:r>
-              <a:rPr lang="en-US" sz="2400" dirty="0" smtClean="0"/>
+              <a:rPr lang="en-US" sz="2400" dirty="0"/>
               <a:t>Build / configuration management information</a:t>
             </a:r>
           </a:p>
@@ -15153,7 +15164,7 @@
               </a:lnSpc>
             </a:pPr>
             <a:r>
-              <a:rPr lang="en-US" sz="2400" dirty="0" smtClean="0"/>
+              <a:rPr lang="en-US" sz="2400" dirty="0"/>
               <a:t>Test cases – what is being tested – that must be important</a:t>
             </a:r>
           </a:p>
@@ -15164,7 +15175,7 @@
               </a:lnSpc>
             </a:pPr>
             <a:r>
-              <a:rPr lang="en-US" sz="2400" dirty="0" smtClean="0"/>
+              <a:rPr lang="en-US" sz="2400" dirty="0"/>
               <a:t>Directory structures</a:t>
             </a:r>
           </a:p>
@@ -15175,10 +15186,9 @@
               </a:lnSpc>
             </a:pPr>
             <a:r>
-              <a:rPr lang="en-US" sz="2400" dirty="0" smtClean="0"/>
+              <a:rPr lang="en-US" sz="2400" dirty="0"/>
               <a:t>Naming conventions</a:t>
             </a:r>
-            <a:endParaRPr lang="en-US" sz="2400" dirty="0"/>
           </a:p>
         </p:txBody>
       </p:sp>
@@ -15241,10 +15251,9 @@
           <a:lstStyle/>
           <a:p>
             <a:r>
-              <a:rPr lang="en-US" b="1" dirty="0" smtClean="0"/>
+              <a:rPr lang="en-US" b="1" dirty="0"/>
               <a:t>How do we find things that we want to model…</a:t>
             </a:r>
-            <a:endParaRPr lang="en-US" b="1" dirty="0"/>
           </a:p>
         </p:txBody>
       </p:sp>
@@ -15259,13 +15268,6 @@
     <a:masterClrMapping/>
   </p:clrMapOvr>
   <p:transition/>
-  <p:timing>
-    <p:tnLst>
-      <p:par>
-        <p:cTn id="1" dur="indefinite" restart="never" nodeType="tmRoot"/>
-      </p:par>
-    </p:tnLst>
-  </p:timing>
 </p:sld>
 </file>
 
@@ -15326,10 +15328,9 @@
           <a:lstStyle/>
           <a:p>
             <a:r>
-              <a:rPr lang="en-US" dirty="0" smtClean="0"/>
+              <a:rPr lang="en-US" dirty="0"/>
               <a:t>Where to Start? Consider what needs to be modeled!</a:t>
             </a:r>
-            <a:endParaRPr lang="en-US" dirty="0"/>
           </a:p>
         </p:txBody>
       </p:sp>
@@ -15359,7 +15360,7 @@
               </a:lnSpc>
             </a:pPr>
             <a:r>
-              <a:rPr lang="en-US" sz="2800" dirty="0" smtClean="0"/>
+              <a:rPr lang="en-US" sz="2800" dirty="0"/>
               <a:t>What do we know about the system</a:t>
             </a:r>
           </a:p>
@@ -15370,7 +15371,7 @@
               </a:lnSpc>
             </a:pPr>
             <a:r>
-              <a:rPr lang="en-US" sz="2400" dirty="0" smtClean="0"/>
+              <a:rPr lang="en-US" sz="2400" dirty="0"/>
               <a:t>What are the main features</a:t>
             </a:r>
           </a:p>
@@ -15381,7 +15382,7 @@
               </a:lnSpc>
             </a:pPr>
             <a:r>
-              <a:rPr lang="en-US" sz="2400" dirty="0" smtClean="0"/>
+              <a:rPr lang="en-US" sz="2400" dirty="0"/>
               <a:t>How are they exposed to the users</a:t>
             </a:r>
           </a:p>
@@ -15392,7 +15393,7 @@
               </a:lnSpc>
             </a:pPr>
             <a:r>
-              <a:rPr lang="en-US" sz="2400" dirty="0" smtClean="0"/>
+              <a:rPr lang="en-US" sz="2400" dirty="0"/>
               <a:t>Build / configuration management information</a:t>
             </a:r>
           </a:p>
@@ -15403,7 +15404,7 @@
               </a:lnSpc>
             </a:pPr>
             <a:r>
-              <a:rPr lang="en-US" sz="2400" dirty="0" smtClean="0"/>
+              <a:rPr lang="en-US" sz="2400" dirty="0"/>
               <a:t>Test cases – what is being tested – that must be important</a:t>
             </a:r>
           </a:p>
@@ -15414,7 +15415,7 @@
               </a:lnSpc>
             </a:pPr>
             <a:r>
-              <a:rPr lang="en-US" sz="2400" dirty="0" smtClean="0"/>
+              <a:rPr lang="en-US" sz="2400" dirty="0"/>
               <a:t>Directory structures</a:t>
             </a:r>
           </a:p>
@@ -15425,7 +15426,7 @@
               </a:lnSpc>
             </a:pPr>
             <a:r>
-              <a:rPr lang="en-US" sz="2400" dirty="0" smtClean="0"/>
+              <a:rPr lang="en-US" sz="2400" dirty="0"/>
               <a:t>Naming conventions</a:t>
             </a:r>
           </a:p>
@@ -15436,10 +15437,9 @@
               </a:lnSpc>
             </a:pPr>
             <a:r>
-              <a:rPr lang="en-US" sz="2400" dirty="0" smtClean="0"/>
+              <a:rPr lang="en-US" sz="2400" dirty="0"/>
               <a:t>Non-functional aspects</a:t>
             </a:r>
-            <a:endParaRPr lang="en-US" sz="2400" dirty="0"/>
           </a:p>
         </p:txBody>
       </p:sp>
@@ -15502,10 +15502,9 @@
           <a:lstStyle/>
           <a:p>
             <a:r>
-              <a:rPr lang="en-US" b="1" dirty="0" smtClean="0"/>
+              <a:rPr lang="en-US" b="1" dirty="0"/>
               <a:t>How do we find things that we want to model…</a:t>
             </a:r>
-            <a:endParaRPr lang="en-US" b="1" dirty="0"/>
           </a:p>
         </p:txBody>
       </p:sp>
@@ -15520,13 +15519,6 @@
     <a:masterClrMapping/>
   </p:clrMapOvr>
   <p:transition/>
-  <p:timing>
-    <p:tnLst>
-      <p:par>
-        <p:cTn id="1" dur="indefinite" restart="never" nodeType="tmRoot"/>
-      </p:par>
-    </p:tnLst>
-  </p:timing>
 </p:sld>
 </file>
 
@@ -15587,10 +15579,9 @@
           <a:lstStyle/>
           <a:p>
             <a:r>
-              <a:rPr lang="en-US" dirty="0" smtClean="0"/>
+              <a:rPr lang="en-US" dirty="0"/>
               <a:t>Think about what story that you want to tell</a:t>
             </a:r>
-            <a:endParaRPr lang="en-US" dirty="0"/>
           </a:p>
         </p:txBody>
       </p:sp>
@@ -15615,14 +15606,14 @@
           <a:lstStyle/>
           <a:p>
             <a:r>
-              <a:rPr lang="en-US" sz="2800" dirty="0" smtClean="0"/>
+              <a:rPr lang="en-US" sz="2800" dirty="0"/>
               <a:t>Think about how you were taught to write stories in elementary school:</a:t>
             </a:r>
           </a:p>
           <a:p>
             <a:pPr lvl="1"/>
             <a:r>
-              <a:rPr lang="en-US" sz="2200" b="1" dirty="0" smtClean="0">
+              <a:rPr lang="en-US" sz="2200" b="1" dirty="0">
                 <a:solidFill>
                   <a:srgbClr val="008000"/>
                 </a:solidFill>
@@ -15630,14 +15621,14 @@
               <a:t>Who?  </a:t>
             </a:r>
             <a:r>
-              <a:rPr lang="en-US" sz="2200" dirty="0" smtClean="0"/>
+              <a:rPr lang="en-US" sz="2200" dirty="0"/>
               <a:t>Who is your stakeholder or target audience</a:t>
             </a:r>
           </a:p>
           <a:p>
             <a:pPr lvl="1"/>
             <a:r>
-              <a:rPr lang="en-US" sz="2200" b="1" dirty="0" smtClean="0">
+              <a:rPr lang="en-US" sz="2200" b="1" dirty="0">
                 <a:solidFill>
                   <a:srgbClr val="008000"/>
                 </a:solidFill>
@@ -15645,14 +15636,14 @@
               <a:t>What?  </a:t>
             </a:r>
             <a:r>
-              <a:rPr lang="en-US" sz="2200" dirty="0" smtClean="0"/>
+              <a:rPr lang="en-US" sz="2200" dirty="0"/>
               <a:t>What is the key message you are trying to get across</a:t>
             </a:r>
           </a:p>
           <a:p>
             <a:pPr lvl="1"/>
             <a:r>
-              <a:rPr lang="en-US" sz="2200" b="1" dirty="0" smtClean="0">
+              <a:rPr lang="en-US" sz="2200" b="1" dirty="0">
                 <a:solidFill>
                   <a:srgbClr val="008000"/>
                 </a:solidFill>
@@ -15660,14 +15651,14 @@
               <a:t>Why? </a:t>
             </a:r>
             <a:r>
-              <a:rPr lang="en-US" sz="2200" dirty="0" smtClean="0"/>
+              <a:rPr lang="en-US" sz="2200" dirty="0"/>
               <a:t>Why is it important</a:t>
             </a:r>
           </a:p>
           <a:p>
             <a:pPr lvl="1"/>
             <a:r>
-              <a:rPr lang="en-US" sz="2200" b="1" dirty="0" smtClean="0">
+              <a:rPr lang="en-US" sz="2200" b="1" dirty="0">
                 <a:solidFill>
                   <a:srgbClr val="008000"/>
                 </a:solidFill>
@@ -15675,19 +15666,19 @@
               <a:t>Where? </a:t>
             </a:r>
             <a:r>
-              <a:rPr lang="en-US" sz="2200" dirty="0" smtClean="0"/>
+              <a:rPr lang="en-US" sz="2200" dirty="0"/>
               <a:t>Where are the most important parts – think scale, security, </a:t>
             </a:r>
             <a:r>
-              <a:rPr lang="en-US" sz="2200" dirty="0" err="1" smtClean="0"/>
+              <a:rPr lang="en-US" sz="2200" dirty="0" err="1"/>
               <a:t>etc</a:t>
             </a:r>
-            <a:endParaRPr lang="en-US" sz="2200" dirty="0" smtClean="0"/>
+            <a:endParaRPr lang="en-US" sz="2200" dirty="0"/>
           </a:p>
           <a:p>
             <a:pPr lvl="1"/>
             <a:r>
-              <a:rPr lang="en-US" sz="2200" b="1" dirty="0" smtClean="0">
+              <a:rPr lang="en-US" sz="2200" b="1" dirty="0">
                 <a:solidFill>
                   <a:srgbClr val="008000"/>
                 </a:solidFill>
@@ -15695,14 +15686,14 @@
               <a:t>When?  </a:t>
             </a:r>
             <a:r>
-              <a:rPr lang="en-US" sz="2200" dirty="0" smtClean="0"/>
+              <a:rPr lang="en-US" sz="2200" dirty="0"/>
               <a:t>When do key events happen?</a:t>
             </a:r>
           </a:p>
           <a:p>
             <a:pPr lvl="1"/>
             <a:r>
-              <a:rPr lang="en-US" sz="2200" b="1" dirty="0" smtClean="0">
+              <a:rPr lang="en-US" sz="2200" b="1" dirty="0">
                 <a:solidFill>
                   <a:srgbClr val="008000"/>
                 </a:solidFill>
@@ -15710,14 +15701,14 @@
               <a:t>How? </a:t>
             </a:r>
             <a:r>
-              <a:rPr lang="en-US" sz="2200" dirty="0" smtClean="0"/>
+              <a:rPr lang="en-US" sz="2200" dirty="0"/>
               <a:t>How does it work?</a:t>
             </a:r>
           </a:p>
           <a:p>
             <a:pPr lvl="1"/>
             <a:r>
-              <a:rPr lang="en-US" sz="2200" b="1" dirty="0" smtClean="0">
+              <a:rPr lang="en-US" sz="2200" b="1" dirty="0">
                 <a:solidFill>
                   <a:srgbClr val="008000"/>
                 </a:solidFill>
@@ -15725,7 +15716,7 @@
               <a:t>How Much?  </a:t>
             </a:r>
             <a:r>
-              <a:rPr lang="en-US" sz="2200" dirty="0" smtClean="0"/>
+              <a:rPr lang="en-US" sz="2200" dirty="0"/>
               <a:t>How much impact does the system have on an existing landscape?</a:t>
             </a:r>
           </a:p>
@@ -15737,13 +15728,6 @@
     <a:masterClrMapping/>
   </p:clrMapOvr>
   <p:transition/>
-  <p:timing>
-    <p:tnLst>
-      <p:par>
-        <p:cTn id="1" dur="indefinite" restart="never" nodeType="tmRoot"/>
-      </p:par>
-    </p:tnLst>
-  </p:timing>
 </p:sld>
 </file>
 
@@ -15804,10 +15788,9 @@
           <a:lstStyle/>
           <a:p>
             <a:r>
-              <a:rPr lang="en-US" dirty="0" smtClean="0"/>
+              <a:rPr lang="en-US" dirty="0"/>
               <a:t>And the outcome you want to achieve</a:t>
             </a:r>
-            <a:endParaRPr lang="en-US" dirty="0"/>
           </a:p>
         </p:txBody>
       </p:sp>
@@ -15832,49 +15815,49 @@
           <a:lstStyle/>
           <a:p>
             <a:r>
-              <a:rPr lang="en-US" sz="2800" dirty="0" smtClean="0"/>
+              <a:rPr lang="en-US" sz="2800" dirty="0"/>
               <a:t>Why do I create a Model / View:</a:t>
             </a:r>
           </a:p>
           <a:p>
             <a:pPr lvl="1"/>
             <a:r>
-              <a:rPr lang="en-US" sz="2200" dirty="0" smtClean="0"/>
+              <a:rPr lang="en-US" sz="2200" dirty="0"/>
               <a:t>Drive stakeholder clarity</a:t>
             </a:r>
           </a:p>
           <a:p>
             <a:pPr lvl="1"/>
             <a:r>
-              <a:rPr lang="en-US" sz="2200" dirty="0" smtClean="0"/>
+              <a:rPr lang="en-US" sz="2200" dirty="0"/>
               <a:t>Making quality / informed decisions</a:t>
             </a:r>
           </a:p>
           <a:p>
             <a:pPr lvl="1"/>
             <a:r>
-              <a:rPr lang="en-US" sz="2200" dirty="0" smtClean="0"/>
+              <a:rPr lang="en-US" sz="2200" dirty="0"/>
               <a:t>Forcing others to make decisions</a:t>
             </a:r>
           </a:p>
           <a:p>
             <a:pPr lvl="1"/>
             <a:r>
-              <a:rPr lang="en-US" sz="2200" dirty="0" smtClean="0"/>
+              <a:rPr lang="en-US" sz="2200" dirty="0"/>
               <a:t>Being transparent around the solution – what it is and what it is not</a:t>
             </a:r>
           </a:p>
           <a:p>
             <a:pPr lvl="1"/>
             <a:r>
-              <a:rPr lang="en-US" sz="2200" dirty="0" smtClean="0"/>
+              <a:rPr lang="en-US" sz="2200" dirty="0"/>
               <a:t>Being opinionated around constraints</a:t>
             </a:r>
           </a:p>
           <a:p>
             <a:pPr lvl="1"/>
             <a:r>
-              <a:rPr lang="en-US" sz="2200" dirty="0" smtClean="0"/>
+              <a:rPr lang="en-US" sz="2200" dirty="0"/>
               <a:t>Show alignment, and possible misalignment with enterprise or industry standards </a:t>
             </a:r>
           </a:p>
@@ -15891,13 +15874,6 @@
     <a:masterClrMapping/>
   </p:clrMapOvr>
   <p:transition/>
-  <p:timing>
-    <p:tnLst>
-      <p:par>
-        <p:cTn id="1" dur="indefinite" restart="never" nodeType="tmRoot"/>
-      </p:par>
-    </p:tnLst>
-  </p:timing>
 </p:sld>
 </file>
 
@@ -15958,10 +15934,9 @@
           <a:lstStyle/>
           <a:p>
             <a:r>
-              <a:rPr lang="en-US" dirty="0" smtClean="0"/>
+              <a:rPr lang="en-US" dirty="0"/>
               <a:t>Example – What are the major pieces?</a:t>
             </a:r>
-            <a:endParaRPr lang="en-US" dirty="0"/>
           </a:p>
         </p:txBody>
       </p:sp>
@@ -16040,13 +16015,6 @@
     <a:masterClrMapping/>
   </p:clrMapOvr>
   <p:transition/>
-  <p:timing>
-    <p:tnLst>
-      <p:par>
-        <p:cTn id="1" dur="indefinite" restart="never" nodeType="tmRoot"/>
-      </p:par>
-    </p:tnLst>
-  </p:timing>
 </p:sld>
 </file>
 
